--- a/blog-source-code/doc/ppt/季明壮.pptx
+++ b/blog-source-code/doc/ppt/季明壮.pptx
@@ -5,28 +5,30 @@
     <p:sldMasterId id="2147483648" r:id="rId1"/>
   </p:sldMasterIdLst>
   <p:notesMasterIdLst>
-    <p:notesMasterId r:id="rId5"/>
+    <p:notesMasterId r:id="rId26"/>
   </p:notesMasterIdLst>
   <p:sldIdLst>
-    <p:sldId id="345" r:id="rId3"/>
-    <p:sldId id="441" r:id="rId4"/>
-    <p:sldId id="440" r:id="rId6"/>
-    <p:sldId id="461" r:id="rId7"/>
-    <p:sldId id="466" r:id="rId8"/>
-    <p:sldId id="467" r:id="rId9"/>
-    <p:sldId id="468" r:id="rId10"/>
-    <p:sldId id="470" r:id="rId11"/>
-    <p:sldId id="462" r:id="rId12"/>
-    <p:sldId id="472" r:id="rId13"/>
-    <p:sldId id="471" r:id="rId14"/>
-    <p:sldId id="464" r:id="rId15"/>
-    <p:sldId id="473" r:id="rId16"/>
-    <p:sldId id="474" r:id="rId17"/>
-    <p:sldId id="475" r:id="rId18"/>
-    <p:sldId id="477" r:id="rId19"/>
-    <p:sldId id="478" r:id="rId20"/>
-    <p:sldId id="479" r:id="rId21"/>
-    <p:sldId id="480" r:id="rId22"/>
+    <p:sldId id="345" r:id="rId2"/>
+    <p:sldId id="441" r:id="rId3"/>
+    <p:sldId id="440" r:id="rId4"/>
+    <p:sldId id="461" r:id="rId5"/>
+    <p:sldId id="466" r:id="rId6"/>
+    <p:sldId id="467" r:id="rId7"/>
+    <p:sldId id="468" r:id="rId8"/>
+    <p:sldId id="470" r:id="rId9"/>
+    <p:sldId id="462" r:id="rId10"/>
+    <p:sldId id="472" r:id="rId11"/>
+    <p:sldId id="471" r:id="rId12"/>
+    <p:sldId id="464" r:id="rId13"/>
+    <p:sldId id="473" r:id="rId14"/>
+    <p:sldId id="474" r:id="rId15"/>
+    <p:sldId id="475" r:id="rId16"/>
+    <p:sldId id="477" r:id="rId17"/>
+    <p:sldId id="478" r:id="rId18"/>
+    <p:sldId id="482" r:id="rId19"/>
+    <p:sldId id="479" r:id="rId20"/>
+    <p:sldId id="480" r:id="rId21"/>
+    <p:sldId id="483" r:id="rId22"/>
     <p:sldId id="481" r:id="rId23"/>
     <p:sldId id="476" r:id="rId24"/>
     <p:sldId id="338" r:id="rId25"/>
@@ -34,7 +36,7 @@
   <p:sldSz cx="12192000" cy="6858000"/>
   <p:notesSz cx="6858000" cy="9144000"/>
   <p:custDataLst>
-    <p:tags r:id="rId30"/>
+    <p:tags r:id="rId27"/>
   </p:custDataLst>
   <p:defaultTextStyle>
     <a:defPPr>
@@ -131,6 +133,37 @@
       </a:defRPr>
     </a:lvl9pPr>
   </p:defaultTextStyle>
+  <p:extLst>
+    <p:ext uri="{EFAFB233-063F-42B5-8137-9DF3F51BA10A}">
+      <p15:sldGuideLst xmlns:p15="http://schemas.microsoft.com/office/powerpoint/2012/main">
+        <p15:guide id="1" orient="horz" pos="4040">
+          <p15:clr>
+            <a:srgbClr val="A4A3A4"/>
+          </p15:clr>
+        </p15:guide>
+        <p15:guide id="2" orient="horz" pos="510">
+          <p15:clr>
+            <a:srgbClr val="A4A3A4"/>
+          </p15:clr>
+        </p15:guide>
+        <p15:guide id="3" orient="horz" pos="632">
+          <p15:clr>
+            <a:srgbClr val="A4A3A4"/>
+          </p15:clr>
+        </p15:guide>
+        <p15:guide id="4" pos="232">
+          <p15:clr>
+            <a:srgbClr val="A4A3A4"/>
+          </p15:clr>
+        </p15:guide>
+        <p15:guide id="5" pos="7435">
+          <p15:clr>
+            <a:srgbClr val="A4A3A4"/>
+          </p15:clr>
+        </p15:guide>
+      </p15:sldGuideLst>
+    </p:ext>
+  </p:extLst>
 </p:presentation>
 </file>
 
@@ -222,6 +255,7 @@
           <a:p>
             <a:fld id="{5F660DF4-05DB-A44D-9492-46D446118C52}" type="datetimeFigureOut">
               <a:rPr kumimoji="1" lang="zh-CN" altLang="en-US" smtClean="0"/>
+              <a:t>2022-9-20</a:t>
             </a:fld>
             <a:endParaRPr kumimoji="1" lang="zh-CN" altLang="en-US"/>
           </a:p>
@@ -288,7 +322,6 @@
               <a:rPr kumimoji="1" lang="zh-CN" altLang="en-US"/>
               <a:t>单击此处编辑母版文本样式</a:t>
             </a:r>
-            <a:endParaRPr kumimoji="1" lang="zh-CN" altLang="en-US"/>
           </a:p>
           <a:p>
             <a:pPr lvl="1"/>
@@ -296,7 +329,6 @@
               <a:rPr kumimoji="1" lang="zh-CN" altLang="en-US"/>
               <a:t>二级</a:t>
             </a:r>
-            <a:endParaRPr kumimoji="1" lang="zh-CN" altLang="en-US"/>
           </a:p>
           <a:p>
             <a:pPr lvl="2"/>
@@ -304,7 +336,6 @@
               <a:rPr kumimoji="1" lang="zh-CN" altLang="en-US"/>
               <a:t>三级</a:t>
             </a:r>
-            <a:endParaRPr kumimoji="1" lang="zh-CN" altLang="en-US"/>
           </a:p>
           <a:p>
             <a:pPr lvl="3"/>
@@ -312,7 +343,6 @@
               <a:rPr kumimoji="1" lang="zh-CN" altLang="en-US"/>
               <a:t>四级</a:t>
             </a:r>
-            <a:endParaRPr kumimoji="1" lang="zh-CN" altLang="en-US"/>
           </a:p>
           <a:p>
             <a:pPr lvl="4"/>
@@ -320,7 +350,6 @@
               <a:rPr kumimoji="1" lang="zh-CN" altLang="en-US"/>
               <a:t>五级</a:t>
             </a:r>
-            <a:endParaRPr kumimoji="1" lang="zh-CN" altLang="en-US"/>
           </a:p>
         </p:txBody>
       </p:sp>
@@ -384,6 +413,7 @@
           <a:p>
             <a:fld id="{7A596F9B-3F3A-754E-B54D-BFDCBFFB48C4}" type="slidenum">
               <a:rPr kumimoji="1" lang="zh-CN" altLang="en-US" smtClean="0"/>
+              <a:t>‹#›</a:t>
             </a:fld>
             <a:endParaRPr kumimoji="1" lang="zh-CN" altLang="en-US"/>
           </a:p>
@@ -552,6 +582,7 @@
           <a:p>
             <a:fld id="{F1CB8912-F0BA-4AD8-8415-DA1F26BCB09F}" type="slidenum">
               <a:rPr lang="zh-CN" altLang="en-US" smtClean="0"/>
+              <a:t>2</a:t>
             </a:fld>
             <a:endParaRPr lang="zh-CN" altLang="en-US"/>
           </a:p>
@@ -630,6 +661,7 @@
           <a:p>
             <a:fld id="{F1CB8912-F0BA-4AD8-8415-DA1F26BCB09F}" type="slidenum">
               <a:rPr lang="zh-CN" altLang="en-US" smtClean="0"/>
+              <a:t>11</a:t>
             </a:fld>
             <a:endParaRPr lang="zh-CN" altLang="en-US"/>
           </a:p>
@@ -708,6 +740,7 @@
           <a:p>
             <a:fld id="{F1CB8912-F0BA-4AD8-8415-DA1F26BCB09F}" type="slidenum">
               <a:rPr lang="zh-CN" altLang="en-US" smtClean="0"/>
+              <a:t>12</a:t>
             </a:fld>
             <a:endParaRPr lang="zh-CN" altLang="en-US"/>
           </a:p>
@@ -786,6 +819,7 @@
           <a:p>
             <a:fld id="{F1CB8912-F0BA-4AD8-8415-DA1F26BCB09F}" type="slidenum">
               <a:rPr lang="zh-CN" altLang="en-US" smtClean="0"/>
+              <a:t>13</a:t>
             </a:fld>
             <a:endParaRPr lang="zh-CN" altLang="en-US"/>
           </a:p>
@@ -864,6 +898,7 @@
           <a:p>
             <a:fld id="{F1CB8912-F0BA-4AD8-8415-DA1F26BCB09F}" type="slidenum">
               <a:rPr lang="zh-CN" altLang="en-US" smtClean="0"/>
+              <a:t>14</a:t>
             </a:fld>
             <a:endParaRPr lang="zh-CN" altLang="en-US"/>
           </a:p>
@@ -942,6 +977,7 @@
           <a:p>
             <a:fld id="{F1CB8912-F0BA-4AD8-8415-DA1F26BCB09F}" type="slidenum">
               <a:rPr lang="zh-CN" altLang="en-US" smtClean="0"/>
+              <a:t>15</a:t>
             </a:fld>
             <a:endParaRPr lang="zh-CN" altLang="en-US"/>
           </a:p>
@@ -1020,6 +1056,7 @@
           <a:p>
             <a:fld id="{F1CB8912-F0BA-4AD8-8415-DA1F26BCB09F}" type="slidenum">
               <a:rPr lang="zh-CN" altLang="en-US" smtClean="0"/>
+              <a:t>16</a:t>
             </a:fld>
             <a:endParaRPr lang="zh-CN" altLang="en-US"/>
           </a:p>
@@ -1098,6 +1135,7 @@
           <a:p>
             <a:fld id="{F1CB8912-F0BA-4AD8-8415-DA1F26BCB09F}" type="slidenum">
               <a:rPr lang="zh-CN" altLang="en-US" smtClean="0"/>
+              <a:t>17</a:t>
             </a:fld>
             <a:endParaRPr lang="zh-CN" altLang="en-US"/>
           </a:p>
@@ -1176,12 +1214,18 @@
           <a:p>
             <a:fld id="{F1CB8912-F0BA-4AD8-8415-DA1F26BCB09F}" type="slidenum">
               <a:rPr lang="zh-CN" altLang="en-US" smtClean="0"/>
+              <a:t>18</a:t>
             </a:fld>
             <a:endParaRPr lang="zh-CN" altLang="en-US"/>
           </a:p>
         </p:txBody>
       </p:sp>
     </p:spTree>
+    <p:extLst>
+      <p:ext uri="{BB962C8B-B14F-4D97-AF65-F5344CB8AC3E}">
+        <p14:creationId xmlns:p14="http://schemas.microsoft.com/office/powerpoint/2010/main" val="1610380299"/>
+      </p:ext>
+    </p:extLst>
   </p:cSld>
   <p:clrMapOvr>
     <a:masterClrMapping/>
@@ -1254,6 +1298,7 @@
           <a:p>
             <a:fld id="{F1CB8912-F0BA-4AD8-8415-DA1F26BCB09F}" type="slidenum">
               <a:rPr lang="zh-CN" altLang="en-US" smtClean="0"/>
+              <a:t>19</a:t>
             </a:fld>
             <a:endParaRPr lang="zh-CN" altLang="en-US"/>
           </a:p>
@@ -1332,6 +1377,7 @@
           <a:p>
             <a:fld id="{F1CB8912-F0BA-4AD8-8415-DA1F26BCB09F}" type="slidenum">
               <a:rPr lang="zh-CN" altLang="en-US" smtClean="0"/>
+              <a:t>20</a:t>
             </a:fld>
             <a:endParaRPr lang="zh-CN" altLang="en-US"/>
           </a:p>
@@ -1410,6 +1456,7 @@
           <a:p>
             <a:fld id="{F1CB8912-F0BA-4AD8-8415-DA1F26BCB09F}" type="slidenum">
               <a:rPr lang="zh-CN" altLang="en-US" smtClean="0"/>
+              <a:t>3</a:t>
             </a:fld>
             <a:endParaRPr lang="zh-CN" altLang="en-US"/>
           </a:p>
@@ -1488,6 +1535,170 @@
           <a:p>
             <a:fld id="{F1CB8912-F0BA-4AD8-8415-DA1F26BCB09F}" type="slidenum">
               <a:rPr lang="zh-CN" altLang="en-US" smtClean="0"/>
+              <a:t>21</a:t>
+            </a:fld>
+            <a:endParaRPr lang="zh-CN" altLang="en-US"/>
+          </a:p>
+        </p:txBody>
+      </p:sp>
+    </p:spTree>
+    <p:extLst>
+      <p:ext uri="{BB962C8B-B14F-4D97-AF65-F5344CB8AC3E}">
+        <p14:creationId xmlns:p14="http://schemas.microsoft.com/office/powerpoint/2010/main" val="1540291098"/>
+      </p:ext>
+    </p:extLst>
+  </p:cSld>
+  <p:clrMapOvr>
+    <a:masterClrMapping/>
+  </p:clrMapOvr>
+</p:notes>
+</file>
+
+<file path=ppt/notesSlides/notesSlide21.xml><?xml version="1.0" encoding="utf-8"?>
+<p:notes xmlns:a="http://schemas.openxmlformats.org/drawingml/2006/main" xmlns:r="http://schemas.openxmlformats.org/officeDocument/2006/relationships" xmlns:p="http://schemas.openxmlformats.org/presentationml/2006/main">
+  <p:cSld>
+    <p:spTree>
+      <p:nvGrpSpPr>
+        <p:cNvPr id="1" name=""/>
+        <p:cNvGrpSpPr/>
+        <p:nvPr/>
+      </p:nvGrpSpPr>
+      <p:grpSpPr>
+        <a:xfrm>
+          <a:off x="0" y="0"/>
+          <a:ext cx="0" cy="0"/>
+          <a:chOff x="0" y="0"/>
+          <a:chExt cx="0" cy="0"/>
+        </a:xfrm>
+      </p:grpSpPr>
+      <p:sp>
+        <p:nvSpPr>
+          <p:cNvPr id="2" name="幻灯片图像占位符 1"/>
+          <p:cNvSpPr>
+            <a:spLocks noGrp="1" noRot="1" noChangeAspect="1"/>
+          </p:cNvSpPr>
+          <p:nvPr>
+            <p:ph type="sldImg"/>
+          </p:nvPr>
+        </p:nvSpPr>
+        <p:spPr/>
+      </p:sp>
+      <p:sp>
+        <p:nvSpPr>
+          <p:cNvPr id="3" name="备注占位符 2"/>
+          <p:cNvSpPr>
+            <a:spLocks noGrp="1"/>
+          </p:cNvSpPr>
+          <p:nvPr>
+            <p:ph type="body" idx="1"/>
+          </p:nvPr>
+        </p:nvSpPr>
+        <p:spPr/>
+        <p:txBody>
+          <a:bodyPr/>
+          <a:lstStyle/>
+          <a:p>
+            <a:endParaRPr lang="zh-CN" altLang="en-US"/>
+          </a:p>
+        </p:txBody>
+      </p:sp>
+      <p:sp>
+        <p:nvSpPr>
+          <p:cNvPr id="4" name="灯片编号占位符 3"/>
+          <p:cNvSpPr>
+            <a:spLocks noGrp="1"/>
+          </p:cNvSpPr>
+          <p:nvPr>
+            <p:ph type="sldNum" sz="quarter" idx="10"/>
+          </p:nvPr>
+        </p:nvSpPr>
+        <p:spPr/>
+        <p:txBody>
+          <a:bodyPr/>
+          <a:lstStyle/>
+          <a:p>
+            <a:fld id="{F1CB8912-F0BA-4AD8-8415-DA1F26BCB09F}" type="slidenum">
+              <a:rPr lang="zh-CN" altLang="en-US" smtClean="0"/>
+              <a:t>22</a:t>
+            </a:fld>
+            <a:endParaRPr lang="zh-CN" altLang="en-US"/>
+          </a:p>
+        </p:txBody>
+      </p:sp>
+    </p:spTree>
+  </p:cSld>
+  <p:clrMapOvr>
+    <a:masterClrMapping/>
+  </p:clrMapOvr>
+</p:notes>
+</file>
+
+<file path=ppt/notesSlides/notesSlide22.xml><?xml version="1.0" encoding="utf-8"?>
+<p:notes xmlns:a="http://schemas.openxmlformats.org/drawingml/2006/main" xmlns:r="http://schemas.openxmlformats.org/officeDocument/2006/relationships" xmlns:p="http://schemas.openxmlformats.org/presentationml/2006/main">
+  <p:cSld>
+    <p:spTree>
+      <p:nvGrpSpPr>
+        <p:cNvPr id="1" name=""/>
+        <p:cNvGrpSpPr/>
+        <p:nvPr/>
+      </p:nvGrpSpPr>
+      <p:grpSpPr>
+        <a:xfrm>
+          <a:off x="0" y="0"/>
+          <a:ext cx="0" cy="0"/>
+          <a:chOff x="0" y="0"/>
+          <a:chExt cx="0" cy="0"/>
+        </a:xfrm>
+      </p:grpSpPr>
+      <p:sp>
+        <p:nvSpPr>
+          <p:cNvPr id="2" name="幻灯片图像占位符 1"/>
+          <p:cNvSpPr>
+            <a:spLocks noGrp="1" noRot="1" noChangeAspect="1"/>
+          </p:cNvSpPr>
+          <p:nvPr>
+            <p:ph type="sldImg"/>
+          </p:nvPr>
+        </p:nvSpPr>
+        <p:spPr/>
+      </p:sp>
+      <p:sp>
+        <p:nvSpPr>
+          <p:cNvPr id="3" name="备注占位符 2"/>
+          <p:cNvSpPr>
+            <a:spLocks noGrp="1"/>
+          </p:cNvSpPr>
+          <p:nvPr>
+            <p:ph type="body" idx="1"/>
+          </p:nvPr>
+        </p:nvSpPr>
+        <p:spPr/>
+        <p:txBody>
+          <a:bodyPr/>
+          <a:lstStyle/>
+          <a:p>
+            <a:endParaRPr lang="zh-CN" altLang="en-US"/>
+          </a:p>
+        </p:txBody>
+      </p:sp>
+      <p:sp>
+        <p:nvSpPr>
+          <p:cNvPr id="4" name="灯片编号占位符 3"/>
+          <p:cNvSpPr>
+            <a:spLocks noGrp="1"/>
+          </p:cNvSpPr>
+          <p:nvPr>
+            <p:ph type="sldNum" sz="quarter" idx="10"/>
+          </p:nvPr>
+        </p:nvSpPr>
+        <p:spPr/>
+        <p:txBody>
+          <a:bodyPr/>
+          <a:lstStyle/>
+          <a:p>
+            <a:fld id="{F1CB8912-F0BA-4AD8-8415-DA1F26BCB09F}" type="slidenum">
+              <a:rPr lang="zh-CN" altLang="en-US" smtClean="0"/>
+              <a:t>23</a:t>
             </a:fld>
             <a:endParaRPr lang="zh-CN" altLang="en-US"/>
           </a:p>
@@ -1566,6 +1777,7 @@
           <a:p>
             <a:fld id="{F1CB8912-F0BA-4AD8-8415-DA1F26BCB09F}" type="slidenum">
               <a:rPr lang="zh-CN" altLang="en-US" smtClean="0"/>
+              <a:t>4</a:t>
             </a:fld>
             <a:endParaRPr lang="zh-CN" altLang="en-US"/>
           </a:p>
@@ -1644,6 +1856,7 @@
           <a:p>
             <a:fld id="{F1CB8912-F0BA-4AD8-8415-DA1F26BCB09F}" type="slidenum">
               <a:rPr lang="zh-CN" altLang="en-US" smtClean="0"/>
+              <a:t>5</a:t>
             </a:fld>
             <a:endParaRPr lang="zh-CN" altLang="en-US"/>
           </a:p>
@@ -1722,6 +1935,7 @@
           <a:p>
             <a:fld id="{F1CB8912-F0BA-4AD8-8415-DA1F26BCB09F}" type="slidenum">
               <a:rPr lang="zh-CN" altLang="en-US" smtClean="0"/>
+              <a:t>6</a:t>
             </a:fld>
             <a:endParaRPr lang="zh-CN" altLang="en-US"/>
           </a:p>
@@ -1800,6 +2014,7 @@
           <a:p>
             <a:fld id="{F1CB8912-F0BA-4AD8-8415-DA1F26BCB09F}" type="slidenum">
               <a:rPr lang="zh-CN" altLang="en-US" smtClean="0"/>
+              <a:t>7</a:t>
             </a:fld>
             <a:endParaRPr lang="zh-CN" altLang="en-US"/>
           </a:p>
@@ -1878,6 +2093,7 @@
           <a:p>
             <a:fld id="{F1CB8912-F0BA-4AD8-8415-DA1F26BCB09F}" type="slidenum">
               <a:rPr lang="zh-CN" altLang="en-US" smtClean="0"/>
+              <a:t>8</a:t>
             </a:fld>
             <a:endParaRPr lang="zh-CN" altLang="en-US"/>
           </a:p>
@@ -1956,6 +2172,7 @@
           <a:p>
             <a:fld id="{F1CB8912-F0BA-4AD8-8415-DA1F26BCB09F}" type="slidenum">
               <a:rPr lang="zh-CN" altLang="en-US" smtClean="0"/>
+              <a:t>9</a:t>
             </a:fld>
             <a:endParaRPr lang="zh-CN" altLang="en-US"/>
           </a:p>
@@ -2034,6 +2251,7 @@
           <a:p>
             <a:fld id="{F1CB8912-F0BA-4AD8-8415-DA1F26BCB09F}" type="slidenum">
               <a:rPr lang="zh-CN" altLang="en-US" smtClean="0"/>
+              <a:t>10</a:t>
             </a:fld>
             <a:endParaRPr lang="zh-CN" altLang="en-US"/>
           </a:p>
@@ -2178,6 +2396,7 @@
           <a:p>
             <a:fld id="{C764DE79-268F-4C1A-8933-263129D2AF90}" type="datetimeFigureOut">
               <a:rPr lang="en-US" smtClean="0"/>
+              <a:t>9/20/2022</a:t>
             </a:fld>
             <a:endParaRPr lang="en-US" dirty="0"/>
           </a:p>
@@ -2219,6 +2438,7 @@
           <a:p>
             <a:fld id="{48F63A3B-78C7-47BE-AE5E-E10140E04643}" type="slidenum">
               <a:rPr lang="en-US" smtClean="0"/>
+              <a:t>‹#›</a:t>
             </a:fld>
             <a:endParaRPr lang="en-US" dirty="0"/>
           </a:p>
@@ -2392,7 +2612,6 @@
               <a:rPr lang="zh-CN" altLang="en-US"/>
               <a:t>单击此处编辑母版文本样式</a:t>
             </a:r>
-            <a:endParaRPr lang="zh-CN" altLang="en-US"/>
           </a:p>
           <a:p>
             <a:pPr lvl="1"/>
@@ -2400,7 +2619,6 @@
               <a:rPr lang="zh-CN" altLang="en-US"/>
               <a:t>二级</a:t>
             </a:r>
-            <a:endParaRPr lang="zh-CN" altLang="en-US"/>
           </a:p>
           <a:p>
             <a:pPr lvl="2"/>
@@ -2408,7 +2626,6 @@
               <a:rPr lang="zh-CN" altLang="en-US"/>
               <a:t>三级</a:t>
             </a:r>
-            <a:endParaRPr lang="zh-CN" altLang="en-US"/>
           </a:p>
           <a:p>
             <a:pPr lvl="3"/>
@@ -2416,7 +2633,6 @@
               <a:rPr lang="zh-CN" altLang="en-US"/>
               <a:t>四级</a:t>
             </a:r>
-            <a:endParaRPr lang="zh-CN" altLang="en-US"/>
           </a:p>
           <a:p>
             <a:pPr lvl="4"/>
@@ -2445,6 +2661,7 @@
           <a:p>
             <a:fld id="{C764DE79-268F-4C1A-8933-263129D2AF90}" type="datetimeFigureOut">
               <a:rPr lang="en-US" smtClean="0"/>
+              <a:t>9/20/2022</a:t>
             </a:fld>
             <a:endParaRPr lang="en-US" dirty="0"/>
           </a:p>
@@ -2486,6 +2703,7 @@
           <a:p>
             <a:fld id="{48F63A3B-78C7-47BE-AE5E-E10140E04643}" type="slidenum">
               <a:rPr lang="en-US" smtClean="0"/>
+              <a:t>‹#›</a:t>
             </a:fld>
             <a:endParaRPr lang="en-US" dirty="0"/>
           </a:p>
@@ -2569,7 +2787,6 @@
               <a:rPr lang="zh-CN" altLang="en-US"/>
               <a:t>单击此处编辑母版文本样式</a:t>
             </a:r>
-            <a:endParaRPr lang="zh-CN" altLang="en-US"/>
           </a:p>
           <a:p>
             <a:pPr lvl="1"/>
@@ -2577,7 +2794,6 @@
               <a:rPr lang="zh-CN" altLang="en-US"/>
               <a:t>二级</a:t>
             </a:r>
-            <a:endParaRPr lang="zh-CN" altLang="en-US"/>
           </a:p>
           <a:p>
             <a:pPr lvl="2"/>
@@ -2585,7 +2801,6 @@
               <a:rPr lang="zh-CN" altLang="en-US"/>
               <a:t>三级</a:t>
             </a:r>
-            <a:endParaRPr lang="zh-CN" altLang="en-US"/>
           </a:p>
           <a:p>
             <a:pPr lvl="3"/>
@@ -2593,7 +2808,6 @@
               <a:rPr lang="zh-CN" altLang="en-US"/>
               <a:t>四级</a:t>
             </a:r>
-            <a:endParaRPr lang="zh-CN" altLang="en-US"/>
           </a:p>
           <a:p>
             <a:pPr lvl="4"/>
@@ -2622,6 +2836,7 @@
           <a:p>
             <a:fld id="{C764DE79-268F-4C1A-8933-263129D2AF90}" type="datetimeFigureOut">
               <a:rPr lang="en-US" smtClean="0"/>
+              <a:t>9/20/2022</a:t>
             </a:fld>
             <a:endParaRPr lang="en-US" dirty="0"/>
           </a:p>
@@ -2663,6 +2878,7 @@
           <a:p>
             <a:fld id="{48F63A3B-78C7-47BE-AE5E-E10140E04643}" type="slidenum">
               <a:rPr lang="en-US" smtClean="0"/>
+              <a:t>‹#›</a:t>
             </a:fld>
             <a:endParaRPr lang="en-US" dirty="0"/>
           </a:p>
@@ -2712,7 +2928,6 @@
               <a:rPr lang="zh-CN" altLang="en-US"/>
               <a:t>单击此处编辑母版标题样式</a:t>
             </a:r>
-            <a:endParaRPr lang="zh-CN" altLang="en-US"/>
           </a:p>
         </p:txBody>
       </p:sp>
@@ -2766,7 +2981,6 @@
               <a:rPr kumimoji="1" lang="zh-CN" altLang="en-US"/>
               <a:t>单击此处编辑母版文本样式</a:t>
             </a:r>
-            <a:endParaRPr kumimoji="1" lang="zh-CN" altLang="en-US"/>
           </a:p>
           <a:p>
             <a:pPr lvl="1"/>
@@ -2774,7 +2988,6 @@
               <a:rPr kumimoji="1" lang="zh-CN" altLang="en-US"/>
               <a:t>二级</a:t>
             </a:r>
-            <a:endParaRPr kumimoji="1" lang="zh-CN" altLang="en-US"/>
           </a:p>
           <a:p>
             <a:pPr lvl="2"/>
@@ -2782,7 +2995,6 @@
               <a:rPr kumimoji="1" lang="zh-CN" altLang="en-US"/>
               <a:t>三级</a:t>
             </a:r>
-            <a:endParaRPr kumimoji="1" lang="zh-CN" altLang="en-US"/>
           </a:p>
           <a:p>
             <a:pPr lvl="3"/>
@@ -2790,7 +3002,6 @@
               <a:rPr kumimoji="1" lang="zh-CN" altLang="en-US"/>
               <a:t>四级</a:t>
             </a:r>
-            <a:endParaRPr kumimoji="1" lang="zh-CN" altLang="en-US"/>
           </a:p>
           <a:p>
             <a:pPr lvl="4"/>
@@ -2798,7 +3009,6 @@
               <a:rPr kumimoji="1" lang="zh-CN" altLang="en-US"/>
               <a:t>五级</a:t>
             </a:r>
-            <a:endParaRPr kumimoji="1" lang="zh-CN" altLang="en-US"/>
           </a:p>
         </p:txBody>
       </p:sp>
@@ -2872,7 +3082,6 @@
               <a:rPr lang="zh-CN" altLang="en-US"/>
               <a:t>单击此处编辑母版标题样式</a:t>
             </a:r>
-            <a:endParaRPr lang="zh-CN" altLang="en-US"/>
           </a:p>
         </p:txBody>
       </p:sp>
@@ -2944,7 +3153,6 @@
               <a:rPr lang="zh-CN" altLang="en-US"/>
               <a:t>单击此处编辑母版文本样式</a:t>
             </a:r>
-            <a:endParaRPr lang="zh-CN" altLang="en-US"/>
           </a:p>
           <a:p>
             <a:pPr lvl="1"/>
@@ -2952,7 +3160,6 @@
               <a:rPr lang="zh-CN" altLang="en-US"/>
               <a:t>二级</a:t>
             </a:r>
-            <a:endParaRPr lang="zh-CN" altLang="en-US"/>
           </a:p>
           <a:p>
             <a:pPr lvl="2"/>
@@ -2960,7 +3167,6 @@
               <a:rPr lang="zh-CN" altLang="en-US"/>
               <a:t>三级</a:t>
             </a:r>
-            <a:endParaRPr lang="zh-CN" altLang="en-US"/>
           </a:p>
           <a:p>
             <a:pPr lvl="3"/>
@@ -2968,7 +3174,6 @@
               <a:rPr lang="zh-CN" altLang="en-US"/>
               <a:t>四级</a:t>
             </a:r>
-            <a:endParaRPr lang="zh-CN" altLang="en-US"/>
           </a:p>
           <a:p>
             <a:pPr lvl="4"/>
@@ -2997,6 +3202,7 @@
           <a:p>
             <a:fld id="{C764DE79-268F-4C1A-8933-263129D2AF90}" type="datetimeFigureOut">
               <a:rPr lang="en-US" smtClean="0"/>
+              <a:t>9/20/2022</a:t>
             </a:fld>
             <a:endParaRPr lang="en-US" dirty="0"/>
           </a:p>
@@ -3038,6 +3244,7 @@
           <a:p>
             <a:fld id="{48F63A3B-78C7-47BE-AE5E-E10140E04643}" type="slidenum">
               <a:rPr lang="en-US" smtClean="0"/>
+              <a:t>‹#›</a:t>
             </a:fld>
             <a:endParaRPr lang="en-US" dirty="0"/>
           </a:p>
@@ -3262,7 +3469,6 @@
               <a:rPr lang="zh-CN" altLang="en-US"/>
               <a:t>单击此处编辑母版文本样式</a:t>
             </a:r>
-            <a:endParaRPr lang="zh-CN" altLang="en-US"/>
           </a:p>
         </p:txBody>
       </p:sp>
@@ -3283,6 +3489,7 @@
           <a:p>
             <a:fld id="{C764DE79-268F-4C1A-8933-263129D2AF90}" type="datetimeFigureOut">
               <a:rPr lang="en-US" smtClean="0"/>
+              <a:t>9/20/2022</a:t>
             </a:fld>
             <a:endParaRPr lang="en-US" dirty="0"/>
           </a:p>
@@ -3324,6 +3531,7 @@
           <a:p>
             <a:fld id="{48F63A3B-78C7-47BE-AE5E-E10140E04643}" type="slidenum">
               <a:rPr lang="en-US" smtClean="0"/>
+              <a:t>‹#›</a:t>
             </a:fld>
             <a:endParaRPr lang="en-US" dirty="0"/>
           </a:p>
@@ -3402,7 +3610,6 @@
               <a:rPr lang="zh-CN" altLang="en-US"/>
               <a:t>单击此处编辑母版文本样式</a:t>
             </a:r>
-            <a:endParaRPr lang="zh-CN" altLang="en-US"/>
           </a:p>
           <a:p>
             <a:pPr lvl="1"/>
@@ -3410,7 +3617,6 @@
               <a:rPr lang="zh-CN" altLang="en-US"/>
               <a:t>二级</a:t>
             </a:r>
-            <a:endParaRPr lang="zh-CN" altLang="en-US"/>
           </a:p>
           <a:p>
             <a:pPr lvl="2"/>
@@ -3418,7 +3624,6 @@
               <a:rPr lang="zh-CN" altLang="en-US"/>
               <a:t>三级</a:t>
             </a:r>
-            <a:endParaRPr lang="zh-CN" altLang="en-US"/>
           </a:p>
           <a:p>
             <a:pPr lvl="3"/>
@@ -3426,7 +3631,6 @@
               <a:rPr lang="zh-CN" altLang="en-US"/>
               <a:t>四级</a:t>
             </a:r>
-            <a:endParaRPr lang="zh-CN" altLang="en-US"/>
           </a:p>
           <a:p>
             <a:pPr lvl="4"/>
@@ -3463,7 +3667,6 @@
               <a:rPr lang="zh-CN" altLang="en-US"/>
               <a:t>单击此处编辑母版文本样式</a:t>
             </a:r>
-            <a:endParaRPr lang="zh-CN" altLang="en-US"/>
           </a:p>
           <a:p>
             <a:pPr lvl="1"/>
@@ -3471,7 +3674,6 @@
               <a:rPr lang="zh-CN" altLang="en-US"/>
               <a:t>二级</a:t>
             </a:r>
-            <a:endParaRPr lang="zh-CN" altLang="en-US"/>
           </a:p>
           <a:p>
             <a:pPr lvl="2"/>
@@ -3479,7 +3681,6 @@
               <a:rPr lang="zh-CN" altLang="en-US"/>
               <a:t>三级</a:t>
             </a:r>
-            <a:endParaRPr lang="zh-CN" altLang="en-US"/>
           </a:p>
           <a:p>
             <a:pPr lvl="3"/>
@@ -3487,7 +3688,6 @@
               <a:rPr lang="zh-CN" altLang="en-US"/>
               <a:t>四级</a:t>
             </a:r>
-            <a:endParaRPr lang="zh-CN" altLang="en-US"/>
           </a:p>
           <a:p>
             <a:pPr lvl="4"/>
@@ -3516,6 +3716,7 @@
           <a:p>
             <a:fld id="{C764DE79-268F-4C1A-8933-263129D2AF90}" type="datetimeFigureOut">
               <a:rPr lang="en-US" smtClean="0"/>
+              <a:t>9/20/2022</a:t>
             </a:fld>
             <a:endParaRPr lang="en-US" dirty="0"/>
           </a:p>
@@ -3557,6 +3758,7 @@
           <a:p>
             <a:fld id="{48F63A3B-78C7-47BE-AE5E-E10140E04643}" type="slidenum">
               <a:rPr lang="en-US" smtClean="0"/>
+              <a:t>‹#›</a:t>
             </a:fld>
             <a:endParaRPr lang="en-US" dirty="0"/>
           </a:p>
@@ -3677,7 +3879,6 @@
               <a:rPr lang="zh-CN" altLang="en-US"/>
               <a:t>单击此处编辑母版文本样式</a:t>
             </a:r>
-            <a:endParaRPr lang="zh-CN" altLang="en-US"/>
           </a:p>
         </p:txBody>
       </p:sp>
@@ -3706,7 +3907,6 @@
               <a:rPr lang="zh-CN" altLang="en-US"/>
               <a:t>单击此处编辑母版文本样式</a:t>
             </a:r>
-            <a:endParaRPr lang="zh-CN" altLang="en-US"/>
           </a:p>
           <a:p>
             <a:pPr lvl="1"/>
@@ -3714,7 +3914,6 @@
               <a:rPr lang="zh-CN" altLang="en-US"/>
               <a:t>二级</a:t>
             </a:r>
-            <a:endParaRPr lang="zh-CN" altLang="en-US"/>
           </a:p>
           <a:p>
             <a:pPr lvl="2"/>
@@ -3722,7 +3921,6 @@
               <a:rPr lang="zh-CN" altLang="en-US"/>
               <a:t>三级</a:t>
             </a:r>
-            <a:endParaRPr lang="zh-CN" altLang="en-US"/>
           </a:p>
           <a:p>
             <a:pPr lvl="3"/>
@@ -3730,7 +3928,6 @@
               <a:rPr lang="zh-CN" altLang="en-US"/>
               <a:t>四级</a:t>
             </a:r>
-            <a:endParaRPr lang="zh-CN" altLang="en-US"/>
           </a:p>
           <a:p>
             <a:pPr lvl="4"/>
@@ -3804,7 +4001,6 @@
               <a:rPr lang="zh-CN" altLang="en-US"/>
               <a:t>单击此处编辑母版文本样式</a:t>
             </a:r>
-            <a:endParaRPr lang="zh-CN" altLang="en-US"/>
           </a:p>
         </p:txBody>
       </p:sp>
@@ -3833,7 +4029,6 @@
               <a:rPr lang="zh-CN" altLang="en-US"/>
               <a:t>单击此处编辑母版文本样式</a:t>
             </a:r>
-            <a:endParaRPr lang="zh-CN" altLang="en-US"/>
           </a:p>
           <a:p>
             <a:pPr lvl="1"/>
@@ -3841,7 +4036,6 @@
               <a:rPr lang="zh-CN" altLang="en-US"/>
               <a:t>二级</a:t>
             </a:r>
-            <a:endParaRPr lang="zh-CN" altLang="en-US"/>
           </a:p>
           <a:p>
             <a:pPr lvl="2"/>
@@ -3849,7 +4043,6 @@
               <a:rPr lang="zh-CN" altLang="en-US"/>
               <a:t>三级</a:t>
             </a:r>
-            <a:endParaRPr lang="zh-CN" altLang="en-US"/>
           </a:p>
           <a:p>
             <a:pPr lvl="3"/>
@@ -3857,7 +4050,6 @@
               <a:rPr lang="zh-CN" altLang="en-US"/>
               <a:t>四级</a:t>
             </a:r>
-            <a:endParaRPr lang="zh-CN" altLang="en-US"/>
           </a:p>
           <a:p>
             <a:pPr lvl="4"/>
@@ -3886,6 +4078,7 @@
           <a:p>
             <a:fld id="{C764DE79-268F-4C1A-8933-263129D2AF90}" type="datetimeFigureOut">
               <a:rPr lang="en-US" smtClean="0"/>
+              <a:t>9/20/2022</a:t>
             </a:fld>
             <a:endParaRPr lang="en-US" dirty="0"/>
           </a:p>
@@ -3927,6 +4120,7 @@
           <a:p>
             <a:fld id="{48F63A3B-78C7-47BE-AE5E-E10140E04643}" type="slidenum">
               <a:rPr lang="en-US" smtClean="0"/>
+              <a:t>‹#›</a:t>
             </a:fld>
             <a:endParaRPr lang="en-US" dirty="0"/>
           </a:p>
@@ -3999,6 +4193,7 @@
           <a:p>
             <a:fld id="{C764DE79-268F-4C1A-8933-263129D2AF90}" type="datetimeFigureOut">
               <a:rPr lang="en-US" smtClean="0"/>
+              <a:t>9/20/2022</a:t>
             </a:fld>
             <a:endParaRPr lang="en-US" dirty="0"/>
           </a:p>
@@ -4040,6 +4235,7 @@
           <a:p>
             <a:fld id="{48F63A3B-78C7-47BE-AE5E-E10140E04643}" type="slidenum">
               <a:rPr lang="en-US" smtClean="0"/>
+              <a:t>‹#›</a:t>
             </a:fld>
             <a:endParaRPr lang="en-US" dirty="0"/>
           </a:p>
@@ -4190,7 +4386,6 @@
               <a:rPr lang="zh-CN" altLang="en-US"/>
               <a:t>单击此处编辑母版文本样式</a:t>
             </a:r>
-            <a:endParaRPr lang="zh-CN" altLang="en-US"/>
           </a:p>
           <a:p>
             <a:pPr lvl="1"/>
@@ -4198,7 +4393,6 @@
               <a:rPr lang="zh-CN" altLang="en-US"/>
               <a:t>二级</a:t>
             </a:r>
-            <a:endParaRPr lang="zh-CN" altLang="en-US"/>
           </a:p>
           <a:p>
             <a:pPr lvl="2"/>
@@ -4206,7 +4400,6 @@
               <a:rPr lang="zh-CN" altLang="en-US"/>
               <a:t>三级</a:t>
             </a:r>
-            <a:endParaRPr lang="zh-CN" altLang="en-US"/>
           </a:p>
           <a:p>
             <a:pPr lvl="3"/>
@@ -4214,7 +4407,6 @@
               <a:rPr lang="zh-CN" altLang="en-US"/>
               <a:t>四级</a:t>
             </a:r>
-            <a:endParaRPr lang="zh-CN" altLang="en-US"/>
           </a:p>
           <a:p>
             <a:pPr lvl="4"/>
@@ -4288,7 +4480,6 @@
               <a:rPr lang="zh-CN" altLang="en-US"/>
               <a:t>单击此处编辑母版文本样式</a:t>
             </a:r>
-            <a:endParaRPr lang="zh-CN" altLang="en-US"/>
           </a:p>
         </p:txBody>
       </p:sp>
@@ -4309,6 +4500,7 @@
           <a:p>
             <a:fld id="{C764DE79-268F-4C1A-8933-263129D2AF90}" type="datetimeFigureOut">
               <a:rPr lang="en-US" smtClean="0"/>
+              <a:t>9/20/2022</a:t>
             </a:fld>
             <a:endParaRPr lang="en-US" dirty="0"/>
           </a:p>
@@ -4350,6 +4542,7 @@
           <a:p>
             <a:fld id="{48F63A3B-78C7-47BE-AE5E-E10140E04643}" type="slidenum">
               <a:rPr lang="en-US" smtClean="0"/>
+              <a:t>‹#›</a:t>
             </a:fld>
             <a:endParaRPr lang="en-US" dirty="0"/>
           </a:p>
@@ -4539,7 +4732,6 @@
               <a:rPr lang="zh-CN" altLang="en-US"/>
               <a:t>单击此处编辑母版文本样式</a:t>
             </a:r>
-            <a:endParaRPr lang="zh-CN" altLang="en-US"/>
           </a:p>
         </p:txBody>
       </p:sp>
@@ -4560,6 +4752,7 @@
           <a:p>
             <a:fld id="{C764DE79-268F-4C1A-8933-263129D2AF90}" type="datetimeFigureOut">
               <a:rPr lang="en-US" smtClean="0"/>
+              <a:t>9/20/2022</a:t>
             </a:fld>
             <a:endParaRPr lang="en-US" dirty="0"/>
           </a:p>
@@ -4601,6 +4794,7 @@
           <a:p>
             <a:fld id="{48F63A3B-78C7-47BE-AE5E-E10140E04643}" type="slidenum">
               <a:rPr lang="en-US" smtClean="0"/>
+              <a:t>‹#›</a:t>
             </a:fld>
             <a:endParaRPr lang="en-US" dirty="0"/>
           </a:p>
@@ -4699,7 +4893,6 @@
               <a:rPr lang="zh-CN" altLang="en-US"/>
               <a:t>单击此处编辑母版文本样式</a:t>
             </a:r>
-            <a:endParaRPr lang="zh-CN" altLang="en-US"/>
           </a:p>
           <a:p>
             <a:pPr lvl="1"/>
@@ -4707,7 +4900,6 @@
               <a:rPr lang="zh-CN" altLang="en-US"/>
               <a:t>二级</a:t>
             </a:r>
-            <a:endParaRPr lang="zh-CN" altLang="en-US"/>
           </a:p>
           <a:p>
             <a:pPr lvl="2"/>
@@ -4715,7 +4907,6 @@
               <a:rPr lang="zh-CN" altLang="en-US"/>
               <a:t>三级</a:t>
             </a:r>
-            <a:endParaRPr lang="zh-CN" altLang="en-US"/>
           </a:p>
           <a:p>
             <a:pPr lvl="3"/>
@@ -4723,7 +4914,6 @@
               <a:rPr lang="zh-CN" altLang="en-US"/>
               <a:t>四级</a:t>
             </a:r>
-            <a:endParaRPr lang="zh-CN" altLang="en-US"/>
           </a:p>
           <a:p>
             <a:pPr lvl="4"/>
@@ -4770,6 +4960,7 @@
           <a:p>
             <a:fld id="{C764DE79-268F-4C1A-8933-263129D2AF90}" type="datetimeFigureOut">
               <a:rPr lang="en-US" smtClean="0"/>
+              <a:t>9/20/2022</a:t>
             </a:fld>
             <a:endParaRPr lang="en-US" dirty="0"/>
           </a:p>
@@ -4847,6 +5038,7 @@
           <a:p>
             <a:fld id="{48F63A3B-78C7-47BE-AE5E-E10140E04643}" type="slidenum">
               <a:rPr lang="en-US" smtClean="0"/>
+              <a:t>‹#›</a:t>
             </a:fld>
             <a:endParaRPr lang="en-US" dirty="0"/>
           </a:p>
@@ -4953,7 +5145,7 @@
           <p:nvPr userDrawn="1"/>
         </p:nvPicPr>
         <p:blipFill>
-          <a:blip r:embed="rId14">
+          <a:blip r:embed="rId15">
             <a:extLst>
               <a:ext uri="{28A0092B-C50C-407E-A947-70E740481C1C}">
                 <a14:useLocalDpi xmlns:a14="http://schemas.microsoft.com/office/drawing/2010/main" val="0"/>
@@ -5324,13 +5516,6 @@
               </a:rPr>
               <a:t>微前端</a:t>
             </a:r>
-            <a:endParaRPr lang="zh-CN" altLang="en-US" sz="4800" b="1" dirty="0">
-              <a:solidFill>
-                <a:schemeClr val="bg1"/>
-              </a:solidFill>
-              <a:latin typeface="微软雅黑" panose="020B0503020204020204" pitchFamily="34" charset="-122"/>
-              <a:ea typeface="微软雅黑" panose="020B0503020204020204" pitchFamily="34" charset="-122"/>
-            </a:endParaRPr>
           </a:p>
         </p:txBody>
       </p:sp>
@@ -5479,12 +5664,6 @@
               </a:rPr>
               <a:t>其他</a:t>
             </a:r>
-            <a:endParaRPr lang="zh-CN" altLang="en-US" sz="2800" b="1" dirty="0">
-              <a:latin typeface="微软雅黑" panose="020B0503020204020204" pitchFamily="34" charset="-122"/>
-              <a:ea typeface="微软雅黑" panose="020B0503020204020204" pitchFamily="34" charset="-122"/>
-              <a:cs typeface="+mn-ea"/>
-              <a:sym typeface="+mn-lt"/>
-            </a:endParaRPr>
           </a:p>
         </p:txBody>
       </p:sp>
@@ -5679,6 +5858,7 @@
           <a:bodyPr wrap="square" rtlCol="0">
             <a:spAutoFit/>
           </a:bodyPr>
+          <a:lstStyle/>
           <a:p>
             <a:pPr algn="l"/>
             <a:r>
@@ -5789,7 +5969,6 @@
               <a:rPr lang="zh-CN" altLang="en-US" sz="2800"/>
               <a:t>总结</a:t>
             </a:r>
-            <a:endParaRPr lang="zh-CN" altLang="en-US" sz="2800"/>
           </a:p>
           <a:p>
             <a:pPr defTabSz="228600"/>
@@ -5993,6 +6172,7 @@
           <a:bodyPr wrap="square" rtlCol="0">
             <a:spAutoFit/>
           </a:bodyPr>
+          <a:lstStyle/>
           <a:p>
             <a:pPr algn="l"/>
             <a:r>
@@ -6001,11 +6181,7 @@
             </a:r>
             <a:r>
               <a:rPr lang="zh-CN" altLang="en-US"/>
-              <a:t>应用渲染本质上只有客户端渲染和服务器端渲染。不过可以二者组合为混合渲染模式，生成各个场景下的解决</a:t>
-            </a:r>
-            <a:r>
-              <a:rPr lang="zh-CN" altLang="en-US"/>
-              <a:t>方案，为</a:t>
+              <a:t>应用渲染本质上只有客户端渲染和服务器端渲染。不过可以二者组合为混合渲染模式，生成各个场景下的解决方案，为</a:t>
             </a:r>
             <a:r>
               <a:rPr lang="en-US" altLang="zh-CN"/>
@@ -6013,13 +6189,8 @@
             </a:r>
             <a:r>
               <a:rPr lang="zh-CN" altLang="en-US"/>
-              <a:t>应用提供极致的渲染</a:t>
-            </a:r>
-            <a:r>
-              <a:rPr lang="zh-CN" altLang="en-US"/>
-              <a:t>体验。</a:t>
-            </a:r>
-            <a:endParaRPr lang="zh-CN" altLang="en-US"/>
+              <a:t>应用提供极致的渲染体验。</a:t>
+            </a:r>
           </a:p>
         </p:txBody>
       </p:sp>
@@ -6271,12 +6442,6 @@
               </a:rPr>
               <a:t>10</a:t>
             </a:r>
-            <a:endParaRPr lang="en-US" altLang="zh-CN" sz="6000" b="1" dirty="0">
-              <a:solidFill>
-                <a:schemeClr val="bg1"/>
-              </a:solidFill>
-              <a:latin typeface="Century Gothic" panose="020B0502020202020204" pitchFamily="34" charset="0"/>
-            </a:endParaRPr>
           </a:p>
         </p:txBody>
       </p:sp>
@@ -6300,6 +6465,7 @@
           <a:bodyPr wrap="square" rtlCol="0">
             <a:spAutoFit/>
           </a:bodyPr>
+          <a:lstStyle/>
           <a:p>
             <a:pPr algn="l"/>
             <a:r>
@@ -6312,13 +6478,8 @@
             </a:r>
             <a:r>
               <a:rPr lang="zh-CN" altLang="en-US"/>
-              <a:t>微前端设计</a:t>
-            </a:r>
-            <a:r>
-              <a:rPr lang="zh-CN" altLang="en-US"/>
-              <a:t>与实现</a:t>
-            </a:r>
-            <a:endParaRPr lang="zh-CN" altLang="en-US"/>
+              <a:t>微前端设计与实现</a:t>
+            </a:r>
           </a:p>
           <a:p>
             <a:pPr algn="l"/>
@@ -6338,11 +6499,7 @@
             </a:br>
             <a:r>
               <a:rPr lang="zh-CN" altLang="en-US"/>
-              <a:t>共性：技术无关，拆解应用，</a:t>
-            </a:r>
-            <a:r>
-              <a:rPr lang="zh-CN" altLang="en-US"/>
-              <a:t>运行时隔离，团队协作。注：微前端架构下，可以使用任意渲染方式，本质是一个</a:t>
+              <a:t>共性：技术无关，拆解应用，运行时隔离，团队协作。注：微前端架构下，可以使用任意渲染方式，本质是一个</a:t>
             </a:r>
             <a:r>
               <a:rPr lang="en-US" altLang="zh-CN"/>
@@ -6350,13 +6507,8 @@
             </a:r>
             <a:r>
               <a:rPr lang="zh-CN" altLang="en-US"/>
-              <a:t>单页应用</a:t>
-            </a:r>
-            <a:r>
-              <a:rPr lang="zh-CN" altLang="en-US"/>
-              <a:t>程序。</a:t>
-            </a:r>
-            <a:endParaRPr lang="zh-CN" altLang="en-US"/>
+              <a:t>单页应用程序。</a:t>
+            </a:r>
           </a:p>
         </p:txBody>
       </p:sp>
@@ -6463,12 +6615,6 @@
               </a:rPr>
               <a:t>为什么需要微前端</a:t>
             </a:r>
-            <a:endParaRPr lang="zh-CN" altLang="en-US" sz="3200" b="1" dirty="0">
-              <a:latin typeface="Microsoft YaHei Bold" panose="020B0503020204020204" charset="-122"/>
-              <a:ea typeface="Microsoft YaHei Bold" panose="020B0503020204020204" charset="-122"/>
-              <a:cs typeface="Microsoft YaHei Bold" panose="020B0503020204020204" charset="-122"/>
-              <a:sym typeface="+mn-ea"/>
-            </a:endParaRPr>
           </a:p>
           <a:p>
             <a:pPr defTabSz="228600"/>
@@ -6609,12 +6755,6 @@
               </a:rPr>
               <a:t>11</a:t>
             </a:r>
-            <a:endParaRPr lang="en-US" altLang="zh-CN" sz="6000" b="1" dirty="0">
-              <a:solidFill>
-                <a:schemeClr val="bg1"/>
-              </a:solidFill>
-              <a:latin typeface="Century Gothic" panose="020B0502020202020204" pitchFamily="34" charset="0"/>
-            </a:endParaRPr>
           </a:p>
         </p:txBody>
       </p:sp>
@@ -6638,6 +6778,7 @@
           <a:bodyPr wrap="square" rtlCol="0">
             <a:spAutoFit/>
           </a:bodyPr>
+          <a:lstStyle/>
           <a:p>
             <a:pPr algn="l"/>
             <a:r>
@@ -6646,6 +6787,7 @@
           </a:p>
           <a:p>
             <a:pPr algn="l"/>
+            <a:endParaRPr/>
           </a:p>
           <a:p>
             <a:pPr algn="l"/>
@@ -6669,6 +6811,7 @@
           </a:p>
           <a:p>
             <a:pPr algn="l"/>
+            <a:endParaRPr/>
           </a:p>
           <a:p>
             <a:pPr algn="l"/>
@@ -6739,12 +6882,6 @@
               </a:rPr>
               <a:t>1</a:t>
             </a:r>
-            <a:endParaRPr lang="en-US" altLang="zh-CN" sz="6000" b="1" dirty="0">
-              <a:solidFill>
-                <a:schemeClr val="bg1"/>
-              </a:solidFill>
-              <a:latin typeface="Century Gothic" panose="020B0502020202020204" pitchFamily="34" charset="0"/>
-            </a:endParaRPr>
           </a:p>
         </p:txBody>
       </p:sp>
@@ -6768,13 +6905,13 @@
           <a:bodyPr wrap="square" rtlCol="0">
             <a:spAutoFit/>
           </a:bodyPr>
+          <a:lstStyle/>
           <a:p>
             <a:pPr algn="l"/>
             <a:r>
               <a:rPr sz="1600"/>
               <a:t> 核心价值</a:t>
             </a:r>
-            <a:endParaRPr sz="1600"/>
           </a:p>
           <a:p>
             <a:pPr algn="l"/>
@@ -6786,7 +6923,6 @@
               <a:rPr sz="1600"/>
               <a:t>1. 我认为微前端的核心价值在于 "技术栈无关"，这才是它诞生的理由，或者说这才是能说服我采用微前端方案的理由。 --qiankun 作者</a:t>
             </a:r>
-            <a:endParaRPr sz="1600"/>
           </a:p>
           <a:p>
             <a:pPr algn="l"/>
@@ -6794,7 +6930,6 @@
               <a:rPr sz="1600"/>
               <a:t>2. 事实上如果所有的 web 技术栈能做到统一，所有 library 的升级都能做到向下兼容，我们确实就不需要微前端了。 --qiankun 作者</a:t>
             </a:r>
-            <a:endParaRPr sz="1600"/>
           </a:p>
           <a:p>
             <a:pPr algn="l"/>
@@ -6806,7 +6941,6 @@
               <a:rPr sz="1600"/>
               <a:t>提示：这里的关键字`兼容`，不同框架的兼容，框架不同版本的兼容。</a:t>
             </a:r>
-            <a:endParaRPr sz="1600"/>
           </a:p>
           <a:p>
             <a:pPr algn="l"/>
@@ -6818,7 +6952,6 @@
               <a:rPr sz="1600"/>
               <a:t> 技术价值</a:t>
             </a:r>
-            <a:endParaRPr sz="1600"/>
           </a:p>
           <a:p>
             <a:pPr algn="l"/>
@@ -6830,7 +6963,6 @@
               <a:rPr sz="1600"/>
               <a:t>- 技术无关</a:t>
             </a:r>
-            <a:endParaRPr sz="1600"/>
           </a:p>
           <a:p>
             <a:pPr algn="l"/>
@@ -6838,7 +6970,6 @@
               <a:rPr sz="1600"/>
               <a:t>- 独立开发、独立部署 子应用仓库独立</a:t>
             </a:r>
-            <a:endParaRPr sz="1600"/>
           </a:p>
           <a:p>
             <a:pPr algn="l"/>
@@ -6846,7 +6977,6 @@
               <a:rPr sz="1600"/>
               <a:t>- 独立运行时 每个子应用之间状态隔离，运行时状态不共享</a:t>
             </a:r>
-            <a:endParaRPr sz="1600"/>
           </a:p>
           <a:p>
             <a:pPr algn="l"/>
@@ -6858,7 +6988,6 @@
               <a:rPr sz="1600"/>
               <a:t>提示：可以尝试不同的技术方案。</a:t>
             </a:r>
-            <a:endParaRPr sz="1600"/>
           </a:p>
           <a:p>
             <a:pPr algn="l"/>
@@ -6870,7 +6999,6 @@
               <a:rPr sz="1600"/>
               <a:t>业务价值</a:t>
             </a:r>
-            <a:endParaRPr sz="1600"/>
           </a:p>
           <a:p>
             <a:pPr algn="l"/>
@@ -6882,7 +7010,6 @@
               <a:rPr sz="1600"/>
               <a:t>- 解构巨石应用</a:t>
             </a:r>
-            <a:endParaRPr sz="1600"/>
           </a:p>
           <a:p>
             <a:pPr algn="l"/>
@@ -6890,7 +7017,6 @@
               <a:rPr sz="1600"/>
               <a:t>- 团队协作方便</a:t>
             </a:r>
-            <a:endParaRPr sz="1600"/>
           </a:p>
           <a:p>
             <a:pPr algn="l"/>
@@ -7005,12 +7131,6 @@
               </a:rPr>
               <a:t>原生解决方案</a:t>
             </a:r>
-            <a:endParaRPr lang="zh-CN" altLang="en-US" sz="3200" b="1" dirty="0">
-              <a:latin typeface="Microsoft YaHei Bold" panose="020B0503020204020204" charset="-122"/>
-              <a:ea typeface="Microsoft YaHei Bold" panose="020B0503020204020204" charset="-122"/>
-              <a:cs typeface="Microsoft YaHei Bold" panose="020B0503020204020204" charset="-122"/>
-              <a:sym typeface="+mn-ea"/>
-            </a:endParaRPr>
           </a:p>
           <a:p>
             <a:pPr defTabSz="228600"/>
@@ -7151,12 +7271,6 @@
               </a:rPr>
               <a:t>12</a:t>
             </a:r>
-            <a:endParaRPr lang="en-US" altLang="zh-CN" sz="6000" b="1" dirty="0">
-              <a:solidFill>
-                <a:schemeClr val="bg1"/>
-              </a:solidFill>
-              <a:latin typeface="Century Gothic" panose="020B0502020202020204" pitchFamily="34" charset="0"/>
-            </a:endParaRPr>
           </a:p>
         </p:txBody>
       </p:sp>
@@ -7180,6 +7294,7 @@
           <a:bodyPr wrap="square" rtlCol="0">
             <a:spAutoFit/>
           </a:bodyPr>
+          <a:lstStyle/>
           <a:p>
             <a:pPr algn="l"/>
             <a:r>
@@ -7216,6 +7331,9 @@
           </a:p>
           <a:p>
             <a:pPr algn="l"/>
+            <a:endParaRPr lang="zh-CN">
+              <a:sym typeface="+mn-ea"/>
+            </a:endParaRPr>
           </a:p>
           <a:p>
             <a:pPr algn="l"/>
@@ -7328,6 +7446,15 @@
               </a:rPr>
               <a:t>Single-spa</a:t>
             </a:r>
+            <a:r>
+              <a:rPr lang="zh-CN" altLang="en-US" sz="3200" b="1" dirty="0">
+                <a:latin typeface="Microsoft YaHei Bold" panose="020B0503020204020204" charset="-122"/>
+                <a:ea typeface="Microsoft YaHei Bold" panose="020B0503020204020204" charset="-122"/>
+                <a:cs typeface="Microsoft YaHei Bold" panose="020B0503020204020204" charset="-122"/>
+                <a:sym typeface="+mn-ea"/>
+              </a:rPr>
+              <a:t>介绍</a:t>
+            </a:r>
             <a:endParaRPr lang="en-US" altLang="zh-CN" sz="3200" b="1" dirty="0">
               <a:latin typeface="Microsoft YaHei Bold" panose="020B0503020204020204" charset="-122"/>
               <a:ea typeface="Microsoft YaHei Bold" panose="020B0503020204020204" charset="-122"/>
@@ -7465,12 +7592,6 @@
               </a:rPr>
               <a:t>13</a:t>
             </a:r>
-            <a:endParaRPr lang="en-US" altLang="zh-CN" sz="6000" b="1" dirty="0">
-              <a:solidFill>
-                <a:schemeClr val="bg1"/>
-              </a:solidFill>
-              <a:latin typeface="Century Gothic" panose="020B0502020202020204" pitchFamily="34" charset="0"/>
-            </a:endParaRPr>
           </a:p>
         </p:txBody>
       </p:sp>
@@ -7482,8 +7603,8 @@
         </p:nvSpPr>
         <p:spPr>
           <a:xfrm>
-            <a:off x="2068830" y="4149090"/>
-            <a:ext cx="8979535" cy="922020"/>
+            <a:off x="2096468" y="3645024"/>
+            <a:ext cx="9571785" cy="2862322"/>
           </a:xfrm>
           <a:prstGeom prst="rect">
             <a:avLst/>
@@ -7491,22 +7612,109 @@
           <a:noFill/>
         </p:spPr>
         <p:txBody>
-          <a:bodyPr wrap="none" rtlCol="0">
+          <a:bodyPr wrap="square" rtlCol="0">
             <a:spAutoFit/>
           </a:bodyPr>
-          <a:p>
-            <a:pPr algn="l"/>
-            <a:r>
-              <a:rPr lang="zh-CN" altLang="en-US"/>
-              <a:t>Single-spa 是一个将多个单页面应用聚合为一个整体应用的 JavaScript 微前端框架。</a:t>
-            </a:r>
-            <a:br>
-              <a:rPr lang="zh-CN" altLang="en-US"/>
-            </a:br>
-            <a:br>
-              <a:rPr lang="zh-CN" altLang="en-US"/>
-            </a:br>
-            <a:endParaRPr lang="zh-CN" altLang="en-US"/>
+          <a:lstStyle/>
+          <a:p>
+            <a:r>
+              <a:rPr lang="en-US" altLang="zh-CN" dirty="0"/>
+              <a:t>Single-spa </a:t>
+            </a:r>
+            <a:r>
+              <a:rPr lang="zh-CN" altLang="en-US" dirty="0"/>
+              <a:t>是一个将多个单页面应用聚合为一个整体应用的 </a:t>
+            </a:r>
+            <a:r>
+              <a:rPr lang="en-US" altLang="zh-CN" dirty="0"/>
+              <a:t>JavaScript </a:t>
+            </a:r>
+            <a:r>
+              <a:rPr lang="zh-CN" altLang="en-US" dirty="0"/>
+              <a:t>微前端框架。核心就是定义了一套协议。协议包含主应用的配置信息</a:t>
+            </a:r>
+            <a:r>
+              <a:rPr lang="en-US" altLang="zh-CN" dirty="0"/>
+              <a:t>(</a:t>
+            </a:r>
+            <a:r>
+              <a:rPr lang="zh-CN" altLang="en-US" dirty="0"/>
+              <a:t>注册子应用</a:t>
+            </a:r>
+            <a:r>
+              <a:rPr lang="en-US" altLang="zh-CN" dirty="0"/>
+              <a:t>)</a:t>
+            </a:r>
+            <a:r>
+              <a:rPr lang="zh-CN" altLang="en-US" dirty="0"/>
+              <a:t>和子应用的生命周期</a:t>
+            </a:r>
+            <a:r>
+              <a:rPr lang="en-US" altLang="zh-CN" dirty="0"/>
+              <a:t>(</a:t>
+            </a:r>
+            <a:r>
+              <a:rPr lang="zh-CN" altLang="en-US" dirty="0"/>
+              <a:t>启动，安装，卸载</a:t>
+            </a:r>
+            <a:r>
+              <a:rPr lang="en-US" altLang="zh-CN" dirty="0"/>
+              <a:t>)</a:t>
+            </a:r>
+            <a:r>
+              <a:rPr lang="zh-CN" altLang="en-US" dirty="0"/>
+              <a:t>，通过这套协议，主应用可以方便的知道在什么情况下（路由匹配）激活哪个子应用。</a:t>
+            </a:r>
+            <a:endParaRPr lang="en-US" altLang="zh-CN" dirty="0"/>
+          </a:p>
+          <a:p>
+            <a:endParaRPr lang="en-US" altLang="zh-CN" dirty="0"/>
+          </a:p>
+          <a:p>
+            <a:r>
+              <a:rPr lang="zh-CN" altLang="en-US" dirty="0"/>
+              <a:t>提示：只能是单页应用，这取决于 </a:t>
+            </a:r>
+            <a:r>
+              <a:rPr lang="en-US" altLang="zh-CN" dirty="0"/>
+              <a:t>Single-spa </a:t>
+            </a:r>
+            <a:r>
+              <a:rPr lang="zh-CN" altLang="en-US" dirty="0"/>
+              <a:t>加载子应用的方式为 </a:t>
+            </a:r>
+            <a:r>
+              <a:rPr lang="en-US" altLang="zh-CN" dirty="0" err="1"/>
+              <a:t>js</a:t>
+            </a:r>
+            <a:r>
+              <a:rPr lang="en-US" altLang="zh-CN" dirty="0"/>
+              <a:t> </a:t>
+            </a:r>
+            <a:r>
+              <a:rPr lang="zh-CN" altLang="en-US" dirty="0"/>
+              <a:t>模块作为入口的。</a:t>
+            </a:r>
+          </a:p>
+          <a:p>
+            <a:endParaRPr lang="en-US" altLang="zh-CN" dirty="0"/>
+          </a:p>
+          <a:p>
+            <a:r>
+              <a:rPr lang="zh-CN" altLang="en-US" dirty="0"/>
+              <a:t>由此可见，</a:t>
+            </a:r>
+            <a:r>
+              <a:rPr lang="en-US" altLang="zh-CN" dirty="0"/>
+              <a:t>Single-spa </a:t>
+            </a:r>
+            <a:r>
+              <a:rPr lang="zh-CN" altLang="en-US" dirty="0"/>
+              <a:t>并不参与子应用的任何流程，主要是根据路由匹配情况来管理子应用的安装，卸载。</a:t>
+            </a:r>
+          </a:p>
+          <a:p>
+            <a:endParaRPr lang="zh-CN" altLang="en-US" dirty="0"/>
           </a:p>
         </p:txBody>
       </p:sp>
@@ -7590,7 +7798,7 @@
         <p:spPr>
           <a:xfrm>
             <a:off x="5033417" y="2137831"/>
-            <a:ext cx="3913959" cy="583565"/>
+            <a:ext cx="4518967" cy="584775"/>
           </a:xfrm>
           <a:prstGeom prst="rect">
             <a:avLst/>
@@ -7620,23 +7828,8 @@
                 <a:cs typeface="Microsoft YaHei Bold" panose="020B0503020204020204" charset="-122"/>
                 <a:sym typeface="+mn-ea"/>
               </a:rPr>
-              <a:t>运行</a:t>
-            </a:r>
-            <a:r>
-              <a:rPr lang="zh-CN" altLang="en-US" sz="3200" b="1" dirty="0">
-                <a:latin typeface="Microsoft YaHei Bold" panose="020B0503020204020204" charset="-122"/>
-                <a:ea typeface="Microsoft YaHei Bold" panose="020B0503020204020204" charset="-122"/>
-                <a:cs typeface="Microsoft YaHei Bold" panose="020B0503020204020204" charset="-122"/>
-                <a:sym typeface="+mn-ea"/>
-              </a:rPr>
-              <a:t>机制</a:t>
-            </a:r>
-            <a:endParaRPr lang="zh-CN" altLang="en-US" sz="3200" b="1" dirty="0">
-              <a:latin typeface="Microsoft YaHei Bold" panose="020B0503020204020204" charset="-122"/>
-              <a:ea typeface="Microsoft YaHei Bold" panose="020B0503020204020204" charset="-122"/>
-              <a:cs typeface="Microsoft YaHei Bold" panose="020B0503020204020204" charset="-122"/>
-              <a:sym typeface="+mn-ea"/>
-            </a:endParaRPr>
+              <a:t>基本使用</a:t>
+            </a:r>
           </a:p>
         </p:txBody>
       </p:sp>
@@ -7768,12 +7961,44 @@
               </a:rPr>
               <a:t>14</a:t>
             </a:r>
-            <a:endParaRPr lang="en-US" altLang="zh-CN" sz="6000" b="1" dirty="0">
-              <a:solidFill>
-                <a:schemeClr val="bg1"/>
-              </a:solidFill>
-              <a:latin typeface="Century Gothic" panose="020B0502020202020204" pitchFamily="34" charset="0"/>
-            </a:endParaRPr>
+          </a:p>
+        </p:txBody>
+      </p:sp>
+      <p:sp>
+        <p:nvSpPr>
+          <p:cNvPr id="3" name="文本框 2">
+            <a:extLst>
+              <a:ext uri="{FF2B5EF4-FFF2-40B4-BE49-F238E27FC236}">
+                <a16:creationId xmlns:a16="http://schemas.microsoft.com/office/drawing/2014/main" id="{15CE0E11-9808-4949-AEF6-6CB51ACEF663}"/>
+              </a:ext>
+            </a:extLst>
+          </p:cNvPr>
+          <p:cNvSpPr txBox="1"/>
+          <p:nvPr/>
+        </p:nvSpPr>
+        <p:spPr>
+          <a:xfrm>
+            <a:off x="2567608" y="4293096"/>
+            <a:ext cx="1107996" cy="646331"/>
+          </a:xfrm>
+          <a:prstGeom prst="rect">
+            <a:avLst/>
+          </a:prstGeom>
+          <a:noFill/>
+        </p:spPr>
+        <p:txBody>
+          <a:bodyPr wrap="none" rtlCol="0">
+            <a:spAutoFit/>
+          </a:bodyPr>
+          <a:lstStyle/>
+          <a:p>
+            <a:r>
+              <a:rPr lang="zh-CN" altLang="en-US" dirty="0"/>
+              <a:t>参看代码</a:t>
+            </a:r>
+          </a:p>
+          <a:p>
+            <a:endParaRPr lang="zh-CN" altLang="en-US" dirty="0"/>
           </a:p>
         </p:txBody>
       </p:sp>
@@ -7857,7 +8082,7 @@
         <p:spPr>
           <a:xfrm>
             <a:off x="5033417" y="2137831"/>
-            <a:ext cx="3913959" cy="583565"/>
+            <a:ext cx="4518967" cy="584775"/>
           </a:xfrm>
           <a:prstGeom prst="rect">
             <a:avLst/>
@@ -7887,14 +8112,8 @@
                 <a:cs typeface="Microsoft YaHei Bold" panose="020B0503020204020204" charset="-122"/>
                 <a:sym typeface="+mn-ea"/>
               </a:rPr>
-              <a:t>缺点</a:t>
-            </a:r>
-            <a:endParaRPr lang="zh-CN" altLang="en-US" sz="3200" b="1" dirty="0">
-              <a:latin typeface="Microsoft YaHei Bold" panose="020B0503020204020204" charset="-122"/>
-              <a:ea typeface="Microsoft YaHei Bold" panose="020B0503020204020204" charset="-122"/>
-              <a:cs typeface="Microsoft YaHei Bold" panose="020B0503020204020204" charset="-122"/>
-              <a:sym typeface="+mn-ea"/>
-            </a:endParaRPr>
+              <a:t>运行机制</a:t>
+            </a:r>
           </a:p>
         </p:txBody>
       </p:sp>
@@ -8024,27 +8243,27 @@
                 </a:solidFill>
                 <a:latin typeface="Century Gothic" panose="020B0502020202020204" pitchFamily="34" charset="0"/>
               </a:rPr>
-              <a:t>15</a:t>
-            </a:r>
-            <a:endParaRPr lang="en-US" altLang="zh-CN" sz="6000" b="1" dirty="0">
-              <a:solidFill>
-                <a:schemeClr val="bg1"/>
-              </a:solidFill>
-              <a:latin typeface="Century Gothic" panose="020B0502020202020204" pitchFamily="34" charset="0"/>
-            </a:endParaRPr>
-          </a:p>
-        </p:txBody>
-      </p:sp>
-      <p:sp>
-        <p:nvSpPr>
-          <p:cNvPr id="2" name="文本框 1"/>
+              <a:t>14</a:t>
+            </a:r>
+          </a:p>
+        </p:txBody>
+      </p:sp>
+      <p:sp>
+        <p:nvSpPr>
+          <p:cNvPr id="3" name="文本框 2">
+            <a:extLst>
+              <a:ext uri="{FF2B5EF4-FFF2-40B4-BE49-F238E27FC236}">
+                <a16:creationId xmlns:a16="http://schemas.microsoft.com/office/drawing/2014/main" id="{15CE0E11-9808-4949-AEF6-6CB51ACEF663}"/>
+              </a:ext>
+            </a:extLst>
+          </p:cNvPr>
           <p:cNvSpPr txBox="1"/>
           <p:nvPr/>
         </p:nvSpPr>
         <p:spPr>
           <a:xfrm>
-            <a:off x="2026285" y="4096385"/>
-            <a:ext cx="9653905" cy="922020"/>
+            <a:off x="2567608" y="4293096"/>
+            <a:ext cx="8928992" cy="1200329"/>
           </a:xfrm>
           <a:prstGeom prst="rect">
             <a:avLst/>
@@ -8055,37 +8274,33 @@
           <a:bodyPr wrap="square" rtlCol="0">
             <a:spAutoFit/>
           </a:bodyPr>
-          <a:p>
-            <a:pPr algn="l"/>
-            <a:r>
-              <a:rPr lang="en-US" altLang="zh-CN"/>
-              <a:t>1. </a:t>
-            </a:r>
-            <a:r>
-              <a:rPr lang="zh-CN" altLang="en-US"/>
-              <a:t>single-spa是通过js文件去加载子应用。</a:t>
-            </a:r>
-            <a:endParaRPr lang="zh-CN" altLang="en-US"/>
-          </a:p>
-          <a:p>
-            <a:pPr algn="l"/>
-            <a:endParaRPr lang="zh-CN" altLang="en-US"/>
-          </a:p>
-          <a:p>
-            <a:pPr algn="l"/>
-            <a:r>
-              <a:rPr lang="en-US" altLang="zh-CN"/>
-              <a:t>2. </a:t>
-            </a:r>
-            <a:r>
-              <a:rPr lang="zh-CN" altLang="en-US"/>
-              <a:t>single-spa本身缺少js隔离和css隔离。</a:t>
-            </a:r>
-            <a:endParaRPr lang="zh-CN" altLang="en-US"/>
+          <a:lstStyle/>
+          <a:p>
+            <a:r>
+              <a:rPr lang="zh-CN" altLang="en-US" dirty="0"/>
+              <a:t>参看博客</a:t>
+            </a:r>
+            <a:r>
+              <a:rPr lang="en-US" altLang="zh-CN" dirty="0"/>
+              <a:t>:[https://boswellji.github.io/MyBlog/Microfrontend/single-spa.html#%E8%BF%90%E8%A1%8C%E6%9C%BA%E5%88%B6](</a:t>
+            </a:r>
+            <a:r>
+              <a:rPr lang="en-US" altLang="zh-CN" u="sng" dirty="0"/>
+              <a:t>https://boswellji.github.io/MyBlog/Microfrontend/single-spa.html#%E8%BF%90%E8%A1%8C%E6%9C%BA%E5%88%B6</a:t>
+            </a:r>
+            <a:r>
+              <a:rPr lang="en-US" altLang="zh-CN" dirty="0"/>
+              <a:t>)</a:t>
+            </a:r>
           </a:p>
         </p:txBody>
       </p:sp>
     </p:spTree>
+    <p:extLst>
+      <p:ext uri="{BB962C8B-B14F-4D97-AF65-F5344CB8AC3E}">
+        <p14:creationId xmlns:p14="http://schemas.microsoft.com/office/powerpoint/2010/main" val="1477366625"/>
+      </p:ext>
+    </p:extLst>
   </p:cSld>
   <p:clrMapOvr>
     <a:masterClrMapping/>
@@ -8186,7 +8401,7 @@
                 <a:cs typeface="Microsoft YaHei Bold" panose="020B0503020204020204" charset="-122"/>
                 <a:sym typeface="+mn-ea"/>
               </a:rPr>
-              <a:t>qiankun(</a:t>
+              <a:t>Single-spa</a:t>
             </a:r>
             <a:r>
               <a:rPr lang="zh-CN" altLang="en-US" sz="3200" b="1" dirty="0">
@@ -8195,23 +8410,8 @@
                 <a:cs typeface="Microsoft YaHei Bold" panose="020B0503020204020204" charset="-122"/>
                 <a:sym typeface="+mn-ea"/>
               </a:rPr>
-              <a:t>乾坤</a:t>
-            </a:r>
-            <a:r>
-              <a:rPr lang="en-US" altLang="zh-CN" sz="3200" b="1" dirty="0">
-                <a:latin typeface="Microsoft YaHei Bold" panose="020B0503020204020204" charset="-122"/>
-                <a:ea typeface="Microsoft YaHei Bold" panose="020B0503020204020204" charset="-122"/>
-                <a:cs typeface="Microsoft YaHei Bold" panose="020B0503020204020204" charset="-122"/>
-                <a:sym typeface="+mn-ea"/>
-              </a:rPr>
-              <a:t>)</a:t>
-            </a:r>
-            <a:endParaRPr lang="en-US" altLang="zh-CN" sz="3200" b="1" dirty="0">
-              <a:latin typeface="Microsoft YaHei Bold" panose="020B0503020204020204" charset="-122"/>
-              <a:ea typeface="Microsoft YaHei Bold" panose="020B0503020204020204" charset="-122"/>
-              <a:cs typeface="Microsoft YaHei Bold" panose="020B0503020204020204" charset="-122"/>
-              <a:sym typeface="+mn-ea"/>
-            </a:endParaRPr>
+              <a:t>缺点</a:t>
+            </a:r>
           </a:p>
         </p:txBody>
       </p:sp>
@@ -8341,14 +8541,8 @@
                 </a:solidFill>
                 <a:latin typeface="Century Gothic" panose="020B0502020202020204" pitchFamily="34" charset="0"/>
               </a:rPr>
-              <a:t>16</a:t>
-            </a:r>
-            <a:endParaRPr lang="en-US" altLang="zh-CN" sz="6000" b="1" dirty="0">
-              <a:solidFill>
-                <a:schemeClr val="bg1"/>
-              </a:solidFill>
-              <a:latin typeface="Century Gothic" panose="020B0502020202020204" pitchFamily="34" charset="0"/>
-            </a:endParaRPr>
+              <a:t>15</a:t>
+            </a:r>
           </a:p>
         </p:txBody>
       </p:sp>
@@ -8361,7 +8555,7 @@
         <p:spPr>
           <a:xfrm>
             <a:off x="2026285" y="4096385"/>
-            <a:ext cx="9653905" cy="368300"/>
+            <a:ext cx="9653905" cy="922020"/>
           </a:xfrm>
           <a:prstGeom prst="rect">
             <a:avLst/>
@@ -8372,9 +8566,32 @@
           <a:bodyPr wrap="square" rtlCol="0">
             <a:spAutoFit/>
           </a:bodyPr>
+          <a:lstStyle/>
+          <a:p>
+            <a:pPr algn="l"/>
+            <a:r>
+              <a:rPr lang="en-US" altLang="zh-CN"/>
+              <a:t>1. </a:t>
+            </a:r>
+            <a:r>
+              <a:rPr lang="zh-CN" altLang="en-US"/>
+              <a:t>single-spa是通过js文件去加载子应用。</a:t>
+            </a:r>
+          </a:p>
           <a:p>
             <a:pPr algn="l"/>
             <a:endParaRPr lang="zh-CN" altLang="en-US"/>
+          </a:p>
+          <a:p>
+            <a:pPr algn="l"/>
+            <a:r>
+              <a:rPr lang="en-US" altLang="zh-CN"/>
+              <a:t>2. </a:t>
+            </a:r>
+            <a:r>
+              <a:rPr lang="zh-CN" altLang="en-US"/>
+              <a:t>single-spa本身缺少js隔离和css隔离。</a:t>
+            </a:r>
           </a:p>
         </p:txBody>
       </p:sp>
@@ -8412,7 +8629,7 @@
           <p:nvPr/>
         </p:nvPicPr>
         <p:blipFill>
-          <a:blip r:embed="rId1"/>
+          <a:blip r:embed="rId3"/>
           <a:stretch>
             <a:fillRect/>
           </a:stretch>
@@ -8436,7 +8653,7 @@
           <p:nvPr/>
         </p:nvPicPr>
         <p:blipFill>
-          <a:blip r:embed="rId2">
+          <a:blip r:embed="rId4">
             <a:extLst>
               <a:ext uri="{28A0092B-C50C-407E-A947-70E740481C1C}">
                 <a14:useLocalDpi xmlns:a14="http://schemas.microsoft.com/office/drawing/2010/main" val="0"/>
@@ -9525,21 +9742,8 @@
                 <a:ea typeface="Microsoft YaHei Bold" panose="020B0503020204020204" charset="-122"/>
                 <a:cs typeface="Microsoft YaHei Bold" panose="020B0503020204020204" charset="-122"/>
               </a:rPr>
-              <a:t>应用</a:t>
-            </a:r>
-            <a:r>
-              <a:rPr lang="zh-CN" altLang="en-US" sz="2000" b="1" dirty="0">
-                <a:latin typeface="Microsoft YaHei Bold" panose="020B0503020204020204" charset="-122"/>
-                <a:ea typeface="Microsoft YaHei Bold" panose="020B0503020204020204" charset="-122"/>
-                <a:cs typeface="Microsoft YaHei Bold" panose="020B0503020204020204" charset="-122"/>
-              </a:rPr>
-              <a:t>渲染方案</a:t>
-            </a:r>
-            <a:endParaRPr lang="zh-CN" altLang="en-US" sz="2000" b="1" dirty="0">
-              <a:latin typeface="Microsoft YaHei Bold" panose="020B0503020204020204" charset="-122"/>
-              <a:ea typeface="Microsoft YaHei Bold" panose="020B0503020204020204" charset="-122"/>
-              <a:cs typeface="Microsoft YaHei Bold" panose="020B0503020204020204" charset="-122"/>
-            </a:endParaRPr>
+              <a:t>应用渲染方案</a:t>
+            </a:r>
           </a:p>
         </p:txBody>
       </p:sp>
@@ -9573,11 +9777,6 @@
               </a:rPr>
               <a:t>微前端</a:t>
             </a:r>
-            <a:endParaRPr lang="zh-CN" altLang="en-US" sz="2000" b="1" dirty="0">
-              <a:latin typeface="Microsoft YaHei Bold" panose="020B0503020204020204" charset="-122"/>
-              <a:ea typeface="Microsoft YaHei Bold" panose="020B0503020204020204" charset="-122"/>
-              <a:cs typeface="Microsoft YaHei Bold" panose="020B0503020204020204" charset="-122"/>
-            </a:endParaRPr>
           </a:p>
         </p:txBody>
       </p:sp>
@@ -9620,6 +9819,7 @@
         </p:style>
         <p:txBody>
           <a:bodyPr rtlCol="0" anchor="ctr"/>
+          <a:lstStyle/>
           <a:p>
             <a:pPr algn="ctr"/>
             <a:r>
@@ -9629,10 +9829,6 @@
               </a:rPr>
               <a:t>3</a:t>
             </a:r>
-            <a:endParaRPr lang="en-US" altLang="zh-CN" sz="2000" dirty="0">
-              <a:latin typeface="Microsoft YaHei Regular" panose="020B0503020204020204" charset="-122"/>
-              <a:ea typeface="Microsoft YaHei Regular" panose="020B0503020204020204" charset="-122"/>
-            </a:endParaRPr>
           </a:p>
         </p:txBody>
       </p:sp>
@@ -9656,6 +9852,7 @@
           <a:bodyPr wrap="none" rtlCol="0">
             <a:spAutoFit/>
           </a:bodyPr>
+          <a:lstStyle/>
           <a:p>
             <a:r>
               <a:rPr lang="en-US" altLang="zh-CN" sz="2000" b="1" dirty="0">
@@ -9665,11 +9862,6 @@
               </a:rPr>
               <a:t>Single-Spa</a:t>
             </a:r>
-            <a:endParaRPr lang="en-US" altLang="zh-CN" sz="2000" b="1" dirty="0">
-              <a:latin typeface="Microsoft YaHei Bold" panose="020B0503020204020204" charset="-122"/>
-              <a:ea typeface="Microsoft YaHei Bold" panose="020B0503020204020204" charset="-122"/>
-              <a:cs typeface="Microsoft YaHei Bold" panose="020B0503020204020204" charset="-122"/>
-            </a:endParaRPr>
           </a:p>
         </p:txBody>
       </p:sp>
@@ -9712,6 +9904,7 @@
         </p:style>
         <p:txBody>
           <a:bodyPr rtlCol="0" anchor="ctr"/>
+          <a:lstStyle/>
           <a:p>
             <a:pPr algn="ctr"/>
             <a:r>
@@ -9721,10 +9914,6 @@
               </a:rPr>
               <a:t>4</a:t>
             </a:r>
-            <a:endParaRPr lang="en-US" altLang="zh-CN" sz="2000" dirty="0">
-              <a:latin typeface="Microsoft YaHei Regular" panose="020B0503020204020204" charset="-122"/>
-              <a:ea typeface="Microsoft YaHei Regular" panose="020B0503020204020204" charset="-122"/>
-            </a:endParaRPr>
           </a:p>
         </p:txBody>
       </p:sp>
@@ -9748,6 +9937,7 @@
           <a:bodyPr wrap="none" rtlCol="0">
             <a:spAutoFit/>
           </a:bodyPr>
+          <a:lstStyle/>
           <a:p>
             <a:r>
               <a:rPr lang="en-US" altLang="zh-CN" sz="2000" b="1" dirty="0">
@@ -9757,11 +9947,6 @@
               </a:rPr>
               <a:t>QianKun</a:t>
             </a:r>
-            <a:endParaRPr lang="en-US" altLang="zh-CN" sz="2000" b="1" dirty="0">
-              <a:latin typeface="Microsoft YaHei Bold" panose="020B0503020204020204" charset="-122"/>
-              <a:ea typeface="Microsoft YaHei Bold" panose="020B0503020204020204" charset="-122"/>
-              <a:cs typeface="Microsoft YaHei Bold" panose="020B0503020204020204" charset="-122"/>
-            </a:endParaRPr>
           </a:p>
         </p:txBody>
       </p:sp>
@@ -9866,7 +10051,7 @@
                 <a:cs typeface="Microsoft YaHei Bold" panose="020B0503020204020204" charset="-122"/>
                 <a:sym typeface="+mn-ea"/>
               </a:rPr>
-              <a:t>qiankun</a:t>
+              <a:t>qiankun(</a:t>
             </a:r>
             <a:r>
               <a:rPr lang="zh-CN" altLang="en-US" sz="3200" b="1" dirty="0">
@@ -9875,23 +10060,17 @@
                 <a:cs typeface="Microsoft YaHei Bold" panose="020B0503020204020204" charset="-122"/>
                 <a:sym typeface="+mn-ea"/>
               </a:rPr>
-              <a:t>运行</a:t>
-            </a:r>
-            <a:r>
-              <a:rPr lang="zh-CN" altLang="en-US" sz="3200" b="1" dirty="0">
+              <a:t>乾坤</a:t>
+            </a:r>
+            <a:r>
+              <a:rPr lang="en-US" altLang="zh-CN" sz="3200" b="1" dirty="0">
                 <a:latin typeface="Microsoft YaHei Bold" panose="020B0503020204020204" charset="-122"/>
                 <a:ea typeface="Microsoft YaHei Bold" panose="020B0503020204020204" charset="-122"/>
                 <a:cs typeface="Microsoft YaHei Bold" panose="020B0503020204020204" charset="-122"/>
                 <a:sym typeface="+mn-ea"/>
               </a:rPr>
-              <a:t>机制</a:t>
-            </a:r>
-            <a:endParaRPr lang="zh-CN" altLang="en-US" sz="3200" b="1" dirty="0">
-              <a:latin typeface="Microsoft YaHei Bold" panose="020B0503020204020204" charset="-122"/>
-              <a:ea typeface="Microsoft YaHei Bold" panose="020B0503020204020204" charset="-122"/>
-              <a:cs typeface="Microsoft YaHei Bold" panose="020B0503020204020204" charset="-122"/>
-              <a:sym typeface="+mn-ea"/>
-            </a:endParaRPr>
+              <a:t>)</a:t>
+            </a:r>
           </a:p>
         </p:txBody>
       </p:sp>
@@ -10023,12 +10202,75 @@
               </a:rPr>
               <a:t>16</a:t>
             </a:r>
-            <a:endParaRPr lang="en-US" altLang="zh-CN" sz="6000" b="1" dirty="0">
-              <a:solidFill>
-                <a:schemeClr val="bg1"/>
-              </a:solidFill>
-              <a:latin typeface="Century Gothic" panose="020B0502020202020204" pitchFamily="34" charset="0"/>
-            </a:endParaRPr>
+          </a:p>
+        </p:txBody>
+      </p:sp>
+      <p:sp>
+        <p:nvSpPr>
+          <p:cNvPr id="2" name="文本框 1"/>
+          <p:cNvSpPr txBox="1"/>
+          <p:nvPr/>
+        </p:nvSpPr>
+        <p:spPr>
+          <a:xfrm>
+            <a:off x="2025301" y="4096385"/>
+            <a:ext cx="9653905" cy="646331"/>
+          </a:xfrm>
+          <a:prstGeom prst="rect">
+            <a:avLst/>
+          </a:prstGeom>
+          <a:noFill/>
+        </p:spPr>
+        <p:txBody>
+          <a:bodyPr wrap="square" rtlCol="0">
+            <a:spAutoFit/>
+          </a:bodyPr>
+          <a:lstStyle/>
+          <a:p>
+            <a:r>
+              <a:rPr lang="en-US" altLang="zh-CN" dirty="0" err="1"/>
+              <a:t>qiankun</a:t>
+            </a:r>
+            <a:r>
+              <a:rPr lang="en-US" altLang="zh-CN" dirty="0"/>
+              <a:t> </a:t>
+            </a:r>
+            <a:r>
+              <a:rPr lang="zh-CN" altLang="en-US" dirty="0"/>
+              <a:t>是基于 </a:t>
+            </a:r>
+            <a:r>
+              <a:rPr lang="en-US" altLang="zh-CN" dirty="0"/>
+              <a:t>single-spa </a:t>
+            </a:r>
+            <a:r>
+              <a:rPr lang="zh-CN" altLang="en-US" dirty="0"/>
+              <a:t>提出的微前端框架</a:t>
+            </a:r>
+            <a:r>
+              <a:rPr lang="en-US" altLang="zh-CN" dirty="0"/>
+              <a:t>, </a:t>
+            </a:r>
+            <a:r>
+              <a:rPr lang="zh-CN" altLang="en-US" dirty="0"/>
+              <a:t>提供了更加开箱即用的 </a:t>
+            </a:r>
+            <a:r>
+              <a:rPr lang="en-US" altLang="zh-CN" dirty="0"/>
+              <a:t>API</a:t>
+            </a:r>
+            <a:r>
+              <a:rPr lang="zh-CN" altLang="en-US" dirty="0"/>
+              <a:t>（</a:t>
+            </a:r>
+            <a:r>
+              <a:rPr lang="en-US" altLang="zh-CN" dirty="0" err="1"/>
+              <a:t>single-spa+sandbox+import-html-entry</a:t>
+            </a:r>
+            <a:r>
+              <a:rPr lang="zh-CN" altLang="en-US" dirty="0"/>
+              <a:t>）。</a:t>
+            </a:r>
           </a:p>
         </p:txBody>
       </p:sp>
@@ -10059,14 +10301,60 @@
       </p:grpSpPr>
       <p:sp>
         <p:nvSpPr>
-          <p:cNvPr id="4" name="文本框 3"/>
+          <p:cNvPr id="10" name="矩形 9"/>
+          <p:cNvSpPr/>
+          <p:nvPr/>
+        </p:nvSpPr>
+        <p:spPr>
+          <a:xfrm>
+            <a:off x="4214567" y="3170955"/>
+            <a:ext cx="7658100" cy="282172"/>
+          </a:xfrm>
+          <a:prstGeom prst="rect">
+            <a:avLst/>
+          </a:prstGeom>
+          <a:solidFill>
+            <a:srgbClr val="65BA67"/>
+          </a:solidFill>
+          <a:ln>
+            <a:noFill/>
+          </a:ln>
+        </p:spPr>
+        <p:style>
+          <a:lnRef idx="2">
+            <a:schemeClr val="accent1">
+              <a:shade val="50000"/>
+            </a:schemeClr>
+          </a:lnRef>
+          <a:fillRef idx="1">
+            <a:schemeClr val="accent1"/>
+          </a:fillRef>
+          <a:effectRef idx="0">
+            <a:schemeClr val="accent1"/>
+          </a:effectRef>
+          <a:fontRef idx="minor">
+            <a:schemeClr val="lt1"/>
+          </a:fontRef>
+        </p:style>
+        <p:txBody>
+          <a:bodyPr rtlCol="0" anchor="ctr"/>
+          <a:lstStyle/>
+          <a:p>
+            <a:pPr algn="ctr"/>
+            <a:endParaRPr lang="zh-CN" altLang="en-US"/>
+          </a:p>
+        </p:txBody>
+      </p:sp>
+      <p:sp>
+        <p:nvSpPr>
+          <p:cNvPr id="13" name="Textfeld 29"/>
           <p:cNvSpPr txBox="1"/>
           <p:nvPr/>
         </p:nvSpPr>
         <p:spPr>
           <a:xfrm>
-            <a:off x="429895" y="1125220"/>
-            <a:ext cx="11010900" cy="2584450"/>
+            <a:off x="5033417" y="2137831"/>
+            <a:ext cx="3913959" cy="583565"/>
           </a:xfrm>
           <a:prstGeom prst="rect">
             <a:avLst/>
@@ -10077,69 +10365,558 @@
           <a:bodyPr wrap="square" rtlCol="0">
             <a:spAutoFit/>
           </a:bodyPr>
-          <a:p>
-            <a:pPr algn="l"/>
-            <a:r>
-              <a:rPr lang="en-US" altLang="zh-CN"/>
-              <a:t>- [新一代 Web 建站技术栈的演进：SSR、SSG、ISR、DPR 都在做什么？](https://zhuanlan.zhihu.com/p/365113639)</a:t>
-            </a:r>
-            <a:endParaRPr lang="en-US" altLang="zh-CN"/>
-          </a:p>
-          <a:p>
-            <a:pPr algn="l"/>
-            <a:r>
-              <a:rPr lang="en-US" altLang="zh-CN"/>
-              <a:t>- [Micro Frontends](https://micro-frontends.org/)</a:t>
-            </a:r>
-            <a:endParaRPr lang="en-US" altLang="zh-CN"/>
-          </a:p>
-          <a:p>
-            <a:pPr algn="l"/>
-            <a:r>
-              <a:rPr lang="en-US" altLang="zh-CN"/>
-              <a:t>- [Why Not Iframe](https://www.yuque.com/kuitos/gky7yw/gesexv)</a:t>
-            </a:r>
-            <a:endParaRPr lang="en-US" altLang="zh-CN"/>
-          </a:p>
-          <a:p>
-            <a:pPr algn="l"/>
-            <a:r>
-              <a:rPr lang="en-US" altLang="zh-CN"/>
-              <a:t>- [微前端的核心价值](https://www.yuque.com/kuitos/gky7yw/rhduwc)</a:t>
-            </a:r>
-            <a:endParaRPr lang="en-US" altLang="zh-CN"/>
-          </a:p>
-          <a:p>
-            <a:pPr algn="l"/>
-            <a:r>
-              <a:rPr lang="en-US" altLang="zh-CN"/>
-              <a:t>- [基于 qiankun 的微前端应用实践](https://zhuanlan.zhihu.com/p/356225293)</a:t>
-            </a:r>
-            <a:endParaRPr lang="en-US" altLang="zh-CN"/>
-          </a:p>
-          <a:p>
-            <a:pPr algn="l"/>
-            <a:r>
-              <a:rPr lang="en-US" altLang="zh-CN"/>
-              <a:t>- [可能是你见过最完善的微前端解决方案](https://zhuanlan.zhihu.com/p/78362028)</a:t>
-            </a:r>
-            <a:endParaRPr lang="en-US" altLang="zh-CN"/>
-          </a:p>
-          <a:p>
-            <a:pPr algn="l"/>
-            <a:r>
-              <a:rPr lang="en-US" altLang="zh-CN"/>
-              <a:t>- [微前端框架 之 single-spa 从入门到精通](https://juejin.cn/post/6862661545592111111)</a:t>
-            </a:r>
-            <a:endParaRPr lang="en-US" altLang="zh-CN"/>
-          </a:p>
-          <a:p>
-            <a:pPr algn="l"/>
-            <a:r>
-              <a:rPr lang="en-US" altLang="zh-CN"/>
-              <a:t>- [微前端框架 之 qiankun 从入门到源码分析](https://juejin.cn/post/6885211340999229454)</a:t>
-            </a:r>
-            <a:endParaRPr lang="en-US" altLang="zh-CN"/>
+          <a:lstStyle/>
+          <a:p>
+            <a:pPr defTabSz="228600"/>
+            <a:r>
+              <a:rPr lang="en-US" altLang="zh-CN" sz="3200" b="1" dirty="0" err="1">
+                <a:latin typeface="Microsoft YaHei Bold" panose="020B0503020204020204" charset="-122"/>
+                <a:ea typeface="Microsoft YaHei Bold" panose="020B0503020204020204" charset="-122"/>
+                <a:cs typeface="Microsoft YaHei Bold" panose="020B0503020204020204" charset="-122"/>
+                <a:sym typeface="+mn-ea"/>
+              </a:rPr>
+              <a:t>qiankun</a:t>
+            </a:r>
+            <a:r>
+              <a:rPr lang="zh-CN" altLang="en-US" sz="3200" b="1" dirty="0">
+                <a:latin typeface="Microsoft YaHei Bold" panose="020B0503020204020204" charset="-122"/>
+                <a:ea typeface="Microsoft YaHei Bold" panose="020B0503020204020204" charset="-122"/>
+                <a:cs typeface="Microsoft YaHei Bold" panose="020B0503020204020204" charset="-122"/>
+                <a:sym typeface="+mn-ea"/>
+              </a:rPr>
+              <a:t>基本用法</a:t>
+            </a:r>
+          </a:p>
+        </p:txBody>
+      </p:sp>
+      <p:sp>
+        <p:nvSpPr>
+          <p:cNvPr id="15" name="矩形 14"/>
+          <p:cNvSpPr/>
+          <p:nvPr/>
+        </p:nvSpPr>
+        <p:spPr>
+          <a:xfrm>
+            <a:off x="2068544" y="1356808"/>
+            <a:ext cx="1633804" cy="1628465"/>
+          </a:xfrm>
+          <a:prstGeom prst="rect">
+            <a:avLst/>
+          </a:prstGeom>
+          <a:solidFill>
+            <a:srgbClr val="5B318F"/>
+          </a:solidFill>
+          <a:ln>
+            <a:noFill/>
+          </a:ln>
+        </p:spPr>
+        <p:style>
+          <a:lnRef idx="2">
+            <a:schemeClr val="accent1">
+              <a:shade val="50000"/>
+            </a:schemeClr>
+          </a:lnRef>
+          <a:fillRef idx="1">
+            <a:schemeClr val="accent1"/>
+          </a:fillRef>
+          <a:effectRef idx="0">
+            <a:schemeClr val="accent1"/>
+          </a:effectRef>
+          <a:fontRef idx="minor">
+            <a:schemeClr val="lt1"/>
+          </a:fontRef>
+        </p:style>
+        <p:txBody>
+          <a:bodyPr rtlCol="0" anchor="ctr"/>
+          <a:lstStyle/>
+          <a:p>
+            <a:pPr algn="ctr"/>
+            <a:endParaRPr lang="zh-CN" altLang="en-US" dirty="0"/>
+          </a:p>
+        </p:txBody>
+      </p:sp>
+      <p:sp>
+        <p:nvSpPr>
+          <p:cNvPr id="9" name="矩形 8"/>
+          <p:cNvSpPr/>
+          <p:nvPr/>
+        </p:nvSpPr>
+        <p:spPr>
+          <a:xfrm>
+            <a:off x="2335700" y="1677861"/>
+            <a:ext cx="1767154" cy="1804354"/>
+          </a:xfrm>
+          <a:prstGeom prst="rect">
+            <a:avLst/>
+          </a:prstGeom>
+          <a:solidFill>
+            <a:srgbClr val="78BF72"/>
+          </a:solidFill>
+          <a:ln>
+            <a:noFill/>
+          </a:ln>
+        </p:spPr>
+        <p:style>
+          <a:lnRef idx="2">
+            <a:schemeClr val="accent1">
+              <a:shade val="50000"/>
+            </a:schemeClr>
+          </a:lnRef>
+          <a:fillRef idx="1">
+            <a:schemeClr val="accent1"/>
+          </a:fillRef>
+          <a:effectRef idx="0">
+            <a:schemeClr val="accent1"/>
+          </a:effectRef>
+          <a:fontRef idx="minor">
+            <a:schemeClr val="lt1"/>
+          </a:fontRef>
+        </p:style>
+        <p:txBody>
+          <a:bodyPr rtlCol="0" anchor="ctr"/>
+          <a:lstStyle/>
+          <a:p>
+            <a:pPr algn="ctr"/>
+            <a:endParaRPr lang="zh-CN" altLang="en-US"/>
+          </a:p>
+        </p:txBody>
+      </p:sp>
+      <p:sp>
+        <p:nvSpPr>
+          <p:cNvPr id="16" name="文本框 15"/>
+          <p:cNvSpPr txBox="1"/>
+          <p:nvPr/>
+        </p:nvSpPr>
+        <p:spPr>
+          <a:xfrm>
+            <a:off x="2771351" y="2084803"/>
+            <a:ext cx="1036320" cy="1014730"/>
+          </a:xfrm>
+          <a:prstGeom prst="rect">
+            <a:avLst/>
+          </a:prstGeom>
+          <a:noFill/>
+        </p:spPr>
+        <p:txBody>
+          <a:bodyPr wrap="none" rtlCol="0">
+            <a:spAutoFit/>
+            <a:scene3d>
+              <a:camera prst="orthographicFront"/>
+              <a:lightRig rig="threePt" dir="t"/>
+            </a:scene3d>
+            <a:sp3d contourW="12700"/>
+          </a:bodyPr>
+          <a:lstStyle/>
+          <a:p>
+            <a:r>
+              <a:rPr lang="en-US" altLang="zh-CN" sz="6000" b="1" dirty="0">
+                <a:solidFill>
+                  <a:schemeClr val="bg1"/>
+                </a:solidFill>
+                <a:latin typeface="Century Gothic" panose="020B0502020202020204" pitchFamily="34" charset="0"/>
+              </a:rPr>
+              <a:t>16</a:t>
+            </a:r>
+          </a:p>
+        </p:txBody>
+      </p:sp>
+      <p:sp>
+        <p:nvSpPr>
+          <p:cNvPr id="2" name="文本框 1">
+            <a:extLst>
+              <a:ext uri="{FF2B5EF4-FFF2-40B4-BE49-F238E27FC236}">
+                <a16:creationId xmlns:a16="http://schemas.microsoft.com/office/drawing/2014/main" id="{597D287E-0667-4183-8181-145B6D0B3EFC}"/>
+              </a:ext>
+            </a:extLst>
+          </p:cNvPr>
+          <p:cNvSpPr txBox="1"/>
+          <p:nvPr/>
+        </p:nvSpPr>
+        <p:spPr>
+          <a:xfrm>
+            <a:off x="3071664" y="4653136"/>
+            <a:ext cx="1107996" cy="646331"/>
+          </a:xfrm>
+          <a:prstGeom prst="rect">
+            <a:avLst/>
+          </a:prstGeom>
+          <a:noFill/>
+        </p:spPr>
+        <p:txBody>
+          <a:bodyPr wrap="none" rtlCol="0">
+            <a:spAutoFit/>
+          </a:bodyPr>
+          <a:lstStyle/>
+          <a:p>
+            <a:r>
+              <a:rPr lang="zh-CN" altLang="en-US" dirty="0"/>
+              <a:t>参看代码</a:t>
+            </a:r>
+          </a:p>
+          <a:p>
+            <a:endParaRPr lang="zh-CN" altLang="en-US" dirty="0"/>
+          </a:p>
+        </p:txBody>
+      </p:sp>
+    </p:spTree>
+    <p:extLst>
+      <p:ext uri="{BB962C8B-B14F-4D97-AF65-F5344CB8AC3E}">
+        <p14:creationId xmlns:p14="http://schemas.microsoft.com/office/powerpoint/2010/main" val="3905029836"/>
+      </p:ext>
+    </p:extLst>
+  </p:cSld>
+  <p:clrMapOvr>
+    <a:masterClrMapping/>
+  </p:clrMapOvr>
+</p:sld>
+</file>
+
+<file path=ppt/slides/slide22.xml><?xml version="1.0" encoding="utf-8"?>
+<p:sld xmlns:a="http://schemas.openxmlformats.org/drawingml/2006/main" xmlns:r="http://schemas.openxmlformats.org/officeDocument/2006/relationships" xmlns:p="http://schemas.openxmlformats.org/presentationml/2006/main">
+  <p:cSld>
+    <p:spTree>
+      <p:nvGrpSpPr>
+        <p:cNvPr id="1" name=""/>
+        <p:cNvGrpSpPr/>
+        <p:nvPr/>
+      </p:nvGrpSpPr>
+      <p:grpSpPr>
+        <a:xfrm>
+          <a:off x="0" y="0"/>
+          <a:ext cx="0" cy="0"/>
+          <a:chOff x="0" y="0"/>
+          <a:chExt cx="0" cy="0"/>
+        </a:xfrm>
+      </p:grpSpPr>
+      <p:sp>
+        <p:nvSpPr>
+          <p:cNvPr id="10" name="矩形 9"/>
+          <p:cNvSpPr/>
+          <p:nvPr/>
+        </p:nvSpPr>
+        <p:spPr>
+          <a:xfrm>
+            <a:off x="4214567" y="3170955"/>
+            <a:ext cx="7658100" cy="282172"/>
+          </a:xfrm>
+          <a:prstGeom prst="rect">
+            <a:avLst/>
+          </a:prstGeom>
+          <a:solidFill>
+            <a:srgbClr val="65BA67"/>
+          </a:solidFill>
+          <a:ln>
+            <a:noFill/>
+          </a:ln>
+        </p:spPr>
+        <p:style>
+          <a:lnRef idx="2">
+            <a:schemeClr val="accent1">
+              <a:shade val="50000"/>
+            </a:schemeClr>
+          </a:lnRef>
+          <a:fillRef idx="1">
+            <a:schemeClr val="accent1"/>
+          </a:fillRef>
+          <a:effectRef idx="0">
+            <a:schemeClr val="accent1"/>
+          </a:effectRef>
+          <a:fontRef idx="minor">
+            <a:schemeClr val="lt1"/>
+          </a:fontRef>
+        </p:style>
+        <p:txBody>
+          <a:bodyPr rtlCol="0" anchor="ctr"/>
+          <a:lstStyle/>
+          <a:p>
+            <a:pPr algn="ctr"/>
+            <a:endParaRPr lang="zh-CN" altLang="en-US"/>
+          </a:p>
+        </p:txBody>
+      </p:sp>
+      <p:sp>
+        <p:nvSpPr>
+          <p:cNvPr id="13" name="Textfeld 29"/>
+          <p:cNvSpPr txBox="1"/>
+          <p:nvPr/>
+        </p:nvSpPr>
+        <p:spPr>
+          <a:xfrm>
+            <a:off x="5033417" y="2137831"/>
+            <a:ext cx="3913959" cy="583565"/>
+          </a:xfrm>
+          <a:prstGeom prst="rect">
+            <a:avLst/>
+          </a:prstGeom>
+          <a:noFill/>
+        </p:spPr>
+        <p:txBody>
+          <a:bodyPr wrap="square" rtlCol="0">
+            <a:spAutoFit/>
+          </a:bodyPr>
+          <a:lstStyle/>
+          <a:p>
+            <a:pPr defTabSz="228600"/>
+            <a:r>
+              <a:rPr lang="en-US" altLang="zh-CN" sz="3200" b="1" dirty="0">
+                <a:latin typeface="Microsoft YaHei Bold" panose="020B0503020204020204" charset="-122"/>
+                <a:ea typeface="Microsoft YaHei Bold" panose="020B0503020204020204" charset="-122"/>
+                <a:cs typeface="Microsoft YaHei Bold" panose="020B0503020204020204" charset="-122"/>
+                <a:sym typeface="+mn-ea"/>
+              </a:rPr>
+              <a:t>qiankun</a:t>
+            </a:r>
+            <a:r>
+              <a:rPr lang="zh-CN" altLang="en-US" sz="3200" b="1" dirty="0">
+                <a:latin typeface="Microsoft YaHei Bold" panose="020B0503020204020204" charset="-122"/>
+                <a:ea typeface="Microsoft YaHei Bold" panose="020B0503020204020204" charset="-122"/>
+                <a:cs typeface="Microsoft YaHei Bold" panose="020B0503020204020204" charset="-122"/>
+                <a:sym typeface="+mn-ea"/>
+              </a:rPr>
+              <a:t>运行机制</a:t>
+            </a:r>
+          </a:p>
+        </p:txBody>
+      </p:sp>
+      <p:sp>
+        <p:nvSpPr>
+          <p:cNvPr id="15" name="矩形 14"/>
+          <p:cNvSpPr/>
+          <p:nvPr/>
+        </p:nvSpPr>
+        <p:spPr>
+          <a:xfrm>
+            <a:off x="2068544" y="1356808"/>
+            <a:ext cx="1633804" cy="1628465"/>
+          </a:xfrm>
+          <a:prstGeom prst="rect">
+            <a:avLst/>
+          </a:prstGeom>
+          <a:solidFill>
+            <a:srgbClr val="5B318F"/>
+          </a:solidFill>
+          <a:ln>
+            <a:noFill/>
+          </a:ln>
+        </p:spPr>
+        <p:style>
+          <a:lnRef idx="2">
+            <a:schemeClr val="accent1">
+              <a:shade val="50000"/>
+            </a:schemeClr>
+          </a:lnRef>
+          <a:fillRef idx="1">
+            <a:schemeClr val="accent1"/>
+          </a:fillRef>
+          <a:effectRef idx="0">
+            <a:schemeClr val="accent1"/>
+          </a:effectRef>
+          <a:fontRef idx="minor">
+            <a:schemeClr val="lt1"/>
+          </a:fontRef>
+        </p:style>
+        <p:txBody>
+          <a:bodyPr rtlCol="0" anchor="ctr"/>
+          <a:lstStyle/>
+          <a:p>
+            <a:pPr algn="ctr"/>
+            <a:endParaRPr lang="zh-CN" altLang="en-US" dirty="0"/>
+          </a:p>
+        </p:txBody>
+      </p:sp>
+      <p:sp>
+        <p:nvSpPr>
+          <p:cNvPr id="9" name="矩形 8"/>
+          <p:cNvSpPr/>
+          <p:nvPr/>
+        </p:nvSpPr>
+        <p:spPr>
+          <a:xfrm>
+            <a:off x="2335700" y="1677861"/>
+            <a:ext cx="1767154" cy="1804354"/>
+          </a:xfrm>
+          <a:prstGeom prst="rect">
+            <a:avLst/>
+          </a:prstGeom>
+          <a:solidFill>
+            <a:srgbClr val="78BF72"/>
+          </a:solidFill>
+          <a:ln>
+            <a:noFill/>
+          </a:ln>
+        </p:spPr>
+        <p:style>
+          <a:lnRef idx="2">
+            <a:schemeClr val="accent1">
+              <a:shade val="50000"/>
+            </a:schemeClr>
+          </a:lnRef>
+          <a:fillRef idx="1">
+            <a:schemeClr val="accent1"/>
+          </a:fillRef>
+          <a:effectRef idx="0">
+            <a:schemeClr val="accent1"/>
+          </a:effectRef>
+          <a:fontRef idx="minor">
+            <a:schemeClr val="lt1"/>
+          </a:fontRef>
+        </p:style>
+        <p:txBody>
+          <a:bodyPr rtlCol="0" anchor="ctr"/>
+          <a:lstStyle/>
+          <a:p>
+            <a:pPr algn="ctr"/>
+            <a:endParaRPr lang="zh-CN" altLang="en-US"/>
+          </a:p>
+        </p:txBody>
+      </p:sp>
+      <p:sp>
+        <p:nvSpPr>
+          <p:cNvPr id="16" name="文本框 15"/>
+          <p:cNvSpPr txBox="1"/>
+          <p:nvPr/>
+        </p:nvSpPr>
+        <p:spPr>
+          <a:xfrm>
+            <a:off x="2771351" y="2084803"/>
+            <a:ext cx="1047082" cy="1015663"/>
+          </a:xfrm>
+          <a:prstGeom prst="rect">
+            <a:avLst/>
+          </a:prstGeom>
+          <a:noFill/>
+        </p:spPr>
+        <p:txBody>
+          <a:bodyPr wrap="none" rtlCol="0">
+            <a:spAutoFit/>
+            <a:scene3d>
+              <a:camera prst="orthographicFront"/>
+              <a:lightRig rig="threePt" dir="t"/>
+            </a:scene3d>
+            <a:sp3d contourW="12700"/>
+          </a:bodyPr>
+          <a:lstStyle/>
+          <a:p>
+            <a:r>
+              <a:rPr lang="en-US" altLang="zh-CN" sz="6000" b="1" dirty="0">
+                <a:solidFill>
+                  <a:schemeClr val="bg1"/>
+                </a:solidFill>
+                <a:latin typeface="Century Gothic" panose="020B0502020202020204" pitchFamily="34" charset="0"/>
+              </a:rPr>
+              <a:t>17</a:t>
+            </a:r>
+          </a:p>
+        </p:txBody>
+      </p:sp>
+      <p:sp>
+        <p:nvSpPr>
+          <p:cNvPr id="2" name="文本框 1">
+            <a:extLst>
+              <a:ext uri="{FF2B5EF4-FFF2-40B4-BE49-F238E27FC236}">
+                <a16:creationId xmlns:a16="http://schemas.microsoft.com/office/drawing/2014/main" id="{7F8BE1E4-2C52-4EE4-AF97-46A16BFB0FBF}"/>
+              </a:ext>
+            </a:extLst>
+          </p:cNvPr>
+          <p:cNvSpPr txBox="1"/>
+          <p:nvPr/>
+        </p:nvSpPr>
+        <p:spPr>
+          <a:xfrm>
+            <a:off x="2279576" y="4149080"/>
+            <a:ext cx="9073008" cy="2308324"/>
+          </a:xfrm>
+          <a:prstGeom prst="rect">
+            <a:avLst/>
+          </a:prstGeom>
+          <a:noFill/>
+        </p:spPr>
+        <p:txBody>
+          <a:bodyPr wrap="square" rtlCol="0">
+            <a:spAutoFit/>
+          </a:bodyPr>
+          <a:lstStyle/>
+          <a:p>
+            <a:r>
+              <a:rPr lang="zh-CN" altLang="en-US" dirty="0"/>
+              <a:t>  </a:t>
+            </a:r>
+            <a:r>
+              <a:rPr lang="en-US" altLang="zh-CN" dirty="0"/>
+              <a:t>-</a:t>
+            </a:r>
+            <a:r>
+              <a:rPr lang="zh-CN" altLang="en-US" dirty="0"/>
+              <a:t> 参看博客</a:t>
+            </a:r>
+            <a:r>
+              <a:rPr lang="en-US" altLang="zh-CN" dirty="0"/>
+              <a:t> </a:t>
+            </a:r>
+            <a:r>
+              <a:rPr lang="en-US" altLang="zh-CN" u="sng" dirty="0"/>
+              <a:t>https://boswellji.github.io/MyBlog/Microfrontend/qiankun.html#%E8%BF%90%E8%A1%8C%E6%9C%BA%E5%88%B6</a:t>
+            </a:r>
+            <a:endParaRPr lang="en-US" altLang="zh-CN" dirty="0"/>
+          </a:p>
+          <a:p>
+            <a:r>
+              <a:rPr lang="en-US" altLang="zh-CN" dirty="0"/>
+              <a:t>  - </a:t>
+            </a:r>
+            <a:r>
+              <a:rPr lang="zh-CN" altLang="en-US" dirty="0"/>
+              <a:t>沙盒：快照沙盒，遗留沙盒，代理沙盒</a:t>
+            </a:r>
+          </a:p>
+          <a:p>
+            <a:r>
+              <a:rPr lang="zh-CN" altLang="en-US" dirty="0"/>
+              <a:t>  </a:t>
+            </a:r>
+            <a:r>
+              <a:rPr lang="en-US" altLang="zh-CN" dirty="0"/>
+              <a:t>-</a:t>
+            </a:r>
+            <a:r>
+              <a:rPr lang="zh-CN" altLang="en-US" dirty="0"/>
+              <a:t> 样式隔离：</a:t>
+            </a:r>
+          </a:p>
+          <a:p>
+            <a:r>
+              <a:rPr lang="zh-CN" altLang="en-US" dirty="0"/>
+              <a:t>  </a:t>
+            </a:r>
+            <a:r>
+              <a:rPr lang="en-US" altLang="zh-CN" dirty="0"/>
+              <a:t>-</a:t>
+            </a:r>
+            <a:r>
+              <a:rPr lang="zh-CN" altLang="en-US" dirty="0"/>
+              <a:t> 通信：主子应用通信</a:t>
+            </a:r>
+          </a:p>
+          <a:p>
+            <a:r>
+              <a:rPr lang="zh-CN" altLang="en-US" dirty="0"/>
+              <a:t>  </a:t>
+            </a:r>
+            <a:r>
+              <a:rPr lang="en-US" altLang="zh-CN" dirty="0"/>
+              <a:t>-</a:t>
+            </a:r>
+            <a:r>
+              <a:rPr lang="zh-CN" altLang="en-US" dirty="0"/>
+              <a:t> </a:t>
+            </a:r>
+            <a:r>
+              <a:rPr lang="en-US" altLang="zh-CN" dirty="0"/>
+              <a:t>import-html-entry</a:t>
+            </a:r>
+          </a:p>
+          <a:p>
+            <a:endParaRPr lang="zh-CN" altLang="en-US" dirty="0"/>
           </a:p>
         </p:txBody>
       </p:sp>
@@ -10151,7 +10928,111 @@
 </p:sld>
 </file>
 
-<file path=ppt/slides/slide22.xml><?xml version="1.0" encoding="utf-8"?>
+<file path=ppt/slides/slide23.xml><?xml version="1.0" encoding="utf-8"?>
+<p:sld xmlns:a="http://schemas.openxmlformats.org/drawingml/2006/main" xmlns:r="http://schemas.openxmlformats.org/officeDocument/2006/relationships" xmlns:p="http://schemas.openxmlformats.org/presentationml/2006/main">
+  <p:cSld>
+    <p:spTree>
+      <p:nvGrpSpPr>
+        <p:cNvPr id="1" name=""/>
+        <p:cNvGrpSpPr/>
+        <p:nvPr/>
+      </p:nvGrpSpPr>
+      <p:grpSpPr>
+        <a:xfrm>
+          <a:off x="0" y="0"/>
+          <a:ext cx="0" cy="0"/>
+          <a:chOff x="0" y="0"/>
+          <a:chExt cx="0" cy="0"/>
+        </a:xfrm>
+      </p:grpSpPr>
+      <p:sp>
+        <p:nvSpPr>
+          <p:cNvPr id="4" name="文本框 3"/>
+          <p:cNvSpPr txBox="1"/>
+          <p:nvPr/>
+        </p:nvSpPr>
+        <p:spPr>
+          <a:xfrm>
+            <a:off x="429895" y="1125220"/>
+            <a:ext cx="11010900" cy="2584450"/>
+          </a:xfrm>
+          <a:prstGeom prst="rect">
+            <a:avLst/>
+          </a:prstGeom>
+          <a:noFill/>
+        </p:spPr>
+        <p:txBody>
+          <a:bodyPr wrap="square" rtlCol="0">
+            <a:spAutoFit/>
+          </a:bodyPr>
+          <a:lstStyle/>
+          <a:p>
+            <a:pPr algn="l"/>
+            <a:r>
+              <a:rPr lang="en-US" altLang="zh-CN"/>
+              <a:t>- [新一代 Web 建站技术栈的演进：SSR、SSG、ISR、DPR 都在做什么？](https://zhuanlan.zhihu.com/p/365113639)</a:t>
+            </a:r>
+          </a:p>
+          <a:p>
+            <a:pPr algn="l"/>
+            <a:r>
+              <a:rPr lang="en-US" altLang="zh-CN"/>
+              <a:t>- [Micro Frontends](https://micro-frontends.org/)</a:t>
+            </a:r>
+          </a:p>
+          <a:p>
+            <a:pPr algn="l"/>
+            <a:r>
+              <a:rPr lang="en-US" altLang="zh-CN"/>
+              <a:t>- [Why Not Iframe](https://www.yuque.com/kuitos/gky7yw/gesexv)</a:t>
+            </a:r>
+          </a:p>
+          <a:p>
+            <a:pPr algn="l"/>
+            <a:r>
+              <a:rPr lang="en-US" altLang="zh-CN"/>
+              <a:t>- [微前端的核心价值](https://www.yuque.com/kuitos/gky7yw/rhduwc)</a:t>
+            </a:r>
+          </a:p>
+          <a:p>
+            <a:pPr algn="l"/>
+            <a:r>
+              <a:rPr lang="en-US" altLang="zh-CN"/>
+              <a:t>- [基于 qiankun 的微前端应用实践](https://zhuanlan.zhihu.com/p/356225293)</a:t>
+            </a:r>
+          </a:p>
+          <a:p>
+            <a:pPr algn="l"/>
+            <a:r>
+              <a:rPr lang="en-US" altLang="zh-CN"/>
+              <a:t>- [可能是你见过最完善的微前端解决方案](https://zhuanlan.zhihu.com/p/78362028)</a:t>
+            </a:r>
+          </a:p>
+          <a:p>
+            <a:pPr algn="l"/>
+            <a:r>
+              <a:rPr lang="en-US" altLang="zh-CN"/>
+              <a:t>- [微前端框架 之 single-spa 从入门到精通](https://juejin.cn/post/6862661545592111111)</a:t>
+            </a:r>
+          </a:p>
+          <a:p>
+            <a:pPr algn="l"/>
+            <a:r>
+              <a:rPr lang="en-US" altLang="zh-CN"/>
+              <a:t>- [微前端框架 之 qiankun 从入门到源码分析](https://juejin.cn/post/6885211340999229454)</a:t>
+            </a:r>
+          </a:p>
+        </p:txBody>
+      </p:sp>
+    </p:spTree>
+  </p:cSld>
+  <p:clrMapOvr>
+    <a:masterClrMapping/>
+  </p:clrMapOvr>
+</p:sld>
+</file>
+
+<file path=ppt/slides/slide24.xml><?xml version="1.0" encoding="utf-8"?>
 <p:sld xmlns:a="http://schemas.openxmlformats.org/drawingml/2006/main" xmlns:r="http://schemas.openxmlformats.org/officeDocument/2006/relationships" xmlns:p="http://schemas.openxmlformats.org/presentationml/2006/main">
   <p:cSld>
     <p:spTree>
@@ -10177,7 +11058,7 @@
           <p:nvPr/>
         </p:nvPicPr>
         <p:blipFill>
-          <a:blip r:embed="rId1"/>
+          <a:blip r:embed="rId2"/>
           <a:stretch>
             <a:fillRect/>
           </a:stretch>
@@ -10201,7 +11082,7 @@
           <p:nvPr/>
         </p:nvPicPr>
         <p:blipFill>
-          <a:blip r:embed="rId2"/>
+          <a:blip r:embed="rId3"/>
           <a:stretch>
             <a:fillRect/>
           </a:stretch>
@@ -10225,7 +11106,7 @@
           <p:nvPr/>
         </p:nvPicPr>
         <p:blipFill>
-          <a:blip r:embed="rId3"/>
+          <a:blip r:embed="rId4"/>
           <a:stretch>
             <a:fillRect/>
           </a:stretch>
@@ -10518,6 +11399,7 @@
           <a:bodyPr wrap="none" rtlCol="0">
             <a:spAutoFit/>
           </a:bodyPr>
+          <a:lstStyle/>
           <a:p>
             <a:pPr marL="342900" indent="-342900" algn="l">
               <a:buAutoNum type="arabicPeriod"/>
@@ -10530,13 +11412,7 @@
               <a:rPr lang="zh-CN" altLang="en-US">
                 <a:sym typeface="+mn-ea"/>
               </a:rPr>
-              <a:t>Server Side Rendering，</a:t>
-            </a:r>
-            <a:r>
-              <a:rPr lang="zh-CN" altLang="en-US">
-                <a:sym typeface="+mn-ea"/>
-              </a:rPr>
-              <a:t>传统服务端渲染</a:t>
+              <a:t>Server Side Rendering，传统服务端渲染</a:t>
             </a:r>
             <a:endParaRPr lang="zh-CN" altLang="en-US"/>
           </a:p>
@@ -10548,7 +11424,6 @@
               <a:rPr lang="zh-CN" altLang="en-US"/>
               <a:t>CSR：Client Side Rendering，客户端（通常是浏览器）渲染</a:t>
             </a:r>
-            <a:endParaRPr lang="zh-CN" altLang="en-US"/>
           </a:p>
           <a:p>
             <a:pPr marL="342900" indent="-342900" algn="l">
@@ -10556,13 +11431,8 @@
             </a:pPr>
             <a:r>
               <a:rPr lang="zh-CN" altLang="en-US"/>
-              <a:t>SSR：Server Side Rendering，</a:t>
-            </a:r>
-            <a:r>
-              <a:rPr lang="zh-CN" altLang="en-US"/>
-              <a:t>现代服务端渲染</a:t>
-            </a:r>
-            <a:endParaRPr lang="zh-CN" altLang="en-US"/>
+              <a:t>SSR：Server Side Rendering，现代服务端渲染</a:t>
+            </a:r>
           </a:p>
           <a:p>
             <a:pPr marL="342900" indent="-342900" algn="l">
@@ -10572,7 +11442,6 @@
               <a:rPr lang="zh-CN" altLang="en-US"/>
               <a:t>SSG：Static Site Generation，静态网站生成</a:t>
             </a:r>
-            <a:endParaRPr lang="zh-CN" altLang="en-US"/>
           </a:p>
           <a:p>
             <a:pPr marL="342900" indent="-342900" algn="l">
@@ -10582,7 +11451,6 @@
               <a:rPr lang="zh-CN" altLang="en-US"/>
               <a:t>ISR：Incremental Site Rendering，增量式的网站渲染</a:t>
             </a:r>
-            <a:endParaRPr lang="zh-CN" altLang="en-US"/>
           </a:p>
           <a:p>
             <a:pPr marL="342900" indent="-342900" algn="l">
@@ -10592,7 +11460,6 @@
               <a:rPr lang="zh-CN" altLang="en-US"/>
               <a:t>DPR：Distributed Persistent Rendering，分布式的持续渲染</a:t>
             </a:r>
-            <a:endParaRPr lang="zh-CN" altLang="en-US"/>
           </a:p>
         </p:txBody>
       </p:sp>
@@ -10876,6 +11743,7 @@
           <a:bodyPr wrap="none" rtlCol="0">
             <a:spAutoFit/>
           </a:bodyPr>
+          <a:lstStyle/>
           <a:p>
             <a:endParaRPr lang="zh-CN" altLang="en-US"/>
           </a:p>
@@ -10901,6 +11769,7 @@
           <a:bodyPr wrap="none" rtlCol="0">
             <a:spAutoFit/>
           </a:bodyPr>
+          <a:lstStyle/>
           <a:p>
             <a:r>
               <a:rPr lang="zh-CN" altLang="en-US"/>
@@ -10944,7 +11813,6 @@
               <a:rPr lang="en-US" altLang="zh-CN"/>
               <a:t>java,nodejs,.net</a:t>
             </a:r>
-            <a:endParaRPr lang="en-US" altLang="zh-CN"/>
           </a:p>
         </p:txBody>
       </p:sp>
@@ -10953,11 +11821,11 @@
   <p:clrMapOvr>
     <a:masterClrMapping/>
   </p:clrMapOvr>
-  <mc:AlternateContent xmlns:mc="http://schemas.openxmlformats.org/markup-compatibility/2006">
-    <mc:Choice xmlns:p14="http://schemas.microsoft.com/office/powerpoint/2010/main" Requires="p14">
+  <mc:AlternateContent xmlns:mc="http://schemas.openxmlformats.org/markup-compatibility/2006" xmlns:p14="http://schemas.microsoft.com/office/powerpoint/2010/main">
+    <mc:Choice Requires="p14">
       <p:transition p14:dur="0" advTm="0"/>
     </mc:Choice>
-    <mc:Fallback>
+    <mc:Fallback xmlns="">
       <p:transition advTm="0"/>
     </mc:Fallback>
   </mc:AlternateContent>
@@ -11230,6 +12098,7 @@
           <a:bodyPr wrap="none" rtlCol="0">
             <a:spAutoFit/>
           </a:bodyPr>
+          <a:lstStyle/>
           <a:p>
             <a:endParaRPr lang="zh-CN" altLang="en-US"/>
           </a:p>
@@ -11255,14 +12124,11 @@
           <a:bodyPr wrap="none" rtlCol="0">
             <a:spAutoFit/>
           </a:bodyPr>
+          <a:lstStyle/>
           <a:p>
             <a:r>
               <a:rPr lang="zh-CN" altLang="en-US"/>
-              <a:t>一般被</a:t>
-            </a:r>
-            <a:r>
-              <a:rPr lang="zh-CN" altLang="en-US"/>
-              <a:t>称为</a:t>
+              <a:t>一般被称为</a:t>
             </a:r>
             <a:r>
               <a:rPr lang="en-US" altLang="zh-CN"/>
@@ -11288,7 +12154,6 @@
               <a:rPr lang="zh-CN" altLang="en-US"/>
               <a:t>入口页面，其他</a:t>
             </a:r>
-            <a:endParaRPr lang="zh-CN" altLang="en-US"/>
           </a:p>
           <a:p>
             <a:pPr fontAlgn="auto">
@@ -11306,17 +12171,8 @@
             </a:r>
             <a:r>
               <a:rPr lang="zh-CN" altLang="en-US"/>
-              <a:t>的</a:t>
-            </a:r>
-            <a:r>
-              <a:rPr lang="zh-CN" altLang="en-US"/>
-              <a:t>方式来动态</a:t>
-            </a:r>
-            <a:r>
-              <a:rPr lang="zh-CN" altLang="en-US"/>
-              <a:t>生成。</a:t>
-            </a:r>
-            <a:endParaRPr lang="zh-CN" altLang="en-US"/>
+              <a:t>的方式来动态生成。</a:t>
+            </a:r>
           </a:p>
           <a:p>
             <a:pPr fontAlgn="auto">
@@ -11340,7 +12196,6 @@
               <a:rPr lang="en-US" altLang="zh-CN"/>
               <a:t>Vue.js</a:t>
             </a:r>
-            <a:endParaRPr lang="en-US" altLang="zh-CN"/>
           </a:p>
         </p:txBody>
       </p:sp>
@@ -11364,6 +12219,7 @@
           <a:bodyPr wrap="none" rtlCol="0">
             <a:spAutoFit/>
           </a:bodyPr>
+          <a:lstStyle/>
           <a:p>
             <a:endParaRPr lang="zh-CN" altLang="en-US"/>
           </a:p>
@@ -11374,11 +12230,11 @@
   <p:clrMapOvr>
     <a:masterClrMapping/>
   </p:clrMapOvr>
-  <mc:AlternateContent xmlns:mc="http://schemas.openxmlformats.org/markup-compatibility/2006">
-    <mc:Choice xmlns:p14="http://schemas.microsoft.com/office/powerpoint/2010/main" Requires="p14">
+  <mc:AlternateContent xmlns:mc="http://schemas.openxmlformats.org/markup-compatibility/2006" xmlns:p14="http://schemas.microsoft.com/office/powerpoint/2010/main">
+    <mc:Choice Requires="p14">
       <p:transition p14:dur="0" advTm="0"/>
     </mc:Choice>
-    <mc:Fallback>
+    <mc:Fallback xmlns="">
       <p:transition advTm="0"/>
     </mc:Fallback>
   </mc:AlternateContent>
@@ -11651,6 +12507,7 @@
           <a:bodyPr wrap="none" rtlCol="0">
             <a:spAutoFit/>
           </a:bodyPr>
+          <a:lstStyle/>
           <a:p>
             <a:endParaRPr lang="zh-CN" altLang="en-US"/>
           </a:p>
@@ -11676,21 +12533,13 @@
           <a:bodyPr wrap="square" rtlCol="0">
             <a:spAutoFit/>
           </a:bodyPr>
+          <a:lstStyle/>
           <a:p>
             <a:pPr algn="l"/>
             <a:r>
               <a:rPr lang="zh-CN" altLang="en-US"/>
-              <a:t>在CRS框架的基础上进化而来（CRS框架将组件生成html字符串发送给浏览器，</a:t>
-            </a:r>
-            <a:r>
-              <a:rPr lang="zh-CN" altLang="en-US"/>
-              <a:t>并将静态标记“润色”为客户端上完全交互式的应用程序），</a:t>
-            </a:r>
-            <a:r>
-              <a:rPr lang="zh-CN" altLang="en-US"/>
-              <a:t>SSR最早是为了解决单页应用（SPA）产生的 SEO、首屏渲染时间等问题而诞生的，在服务端直接实时同构渲染用户看到的页面，能最大程度上提高用户的体验。</a:t>
-            </a:r>
-            <a:endParaRPr lang="zh-CN" altLang="en-US"/>
+              <a:t>在CRS框架的基础上进化而来（CRS框架将组件生成html字符串发送给浏览器，并将静态标记“润色”为客户端上完全交互式的应用程序），SSR最早是为了解决单页应用（SPA）产生的 SEO、首屏渲染时间等问题而诞生的，在服务端直接实时同构渲染用户看到的页面，能最大程度上提高用户的体验。</a:t>
+            </a:r>
           </a:p>
           <a:p>
             <a:pPr algn="l"/>
@@ -11706,7 +12555,6 @@
               <a:rPr lang="en-US" altLang="zh-CN"/>
               <a:t> nuxtjs</a:t>
             </a:r>
-            <a:endParaRPr lang="en-US" altLang="zh-CN"/>
           </a:p>
         </p:txBody>
       </p:sp>
@@ -11715,11 +12563,11 @@
   <p:clrMapOvr>
     <a:masterClrMapping/>
   </p:clrMapOvr>
-  <mc:AlternateContent xmlns:mc="http://schemas.openxmlformats.org/markup-compatibility/2006">
-    <mc:Choice xmlns:p14="http://schemas.microsoft.com/office/powerpoint/2010/main" Requires="p14">
+  <mc:AlternateContent xmlns:mc="http://schemas.openxmlformats.org/markup-compatibility/2006" xmlns:p14="http://schemas.microsoft.com/office/powerpoint/2010/main">
+    <mc:Choice Requires="p14">
       <p:transition p14:dur="0" advTm="0"/>
     </mc:Choice>
-    <mc:Fallback>
+    <mc:Fallback xmlns="">
       <p:transition advTm="0"/>
     </mc:Fallback>
   </mc:AlternateContent>
@@ -11992,6 +12840,7 @@
           <a:bodyPr wrap="none" rtlCol="0">
             <a:spAutoFit/>
           </a:bodyPr>
+          <a:lstStyle/>
           <a:p>
             <a:endParaRPr lang="zh-CN" altLang="en-US"/>
           </a:p>
@@ -12017,6 +12866,7 @@
           <a:bodyPr wrap="square" rtlCol="0">
             <a:spAutoFit/>
           </a:bodyPr>
+          <a:lstStyle/>
           <a:p>
             <a:pPr algn="l"/>
             <a:r>
@@ -12034,7 +12884,6 @@
               <a:rPr lang="zh-CN" altLang="en-US"/>
               <a:t>对 SSR 进行审视，服务端渲染出的页面，逻辑上讲可以分成下面两大块：</a:t>
             </a:r>
-            <a:endParaRPr lang="zh-CN" altLang="en-US"/>
           </a:p>
           <a:p>
             <a:pPr algn="l"/>
@@ -12052,13 +12901,8 @@
             </a:r>
             <a:r>
               <a:rPr lang="zh-CN" altLang="en-US"/>
-              <a:t>。（</a:t>
-            </a:r>
-            <a:r>
-              <a:rPr lang="zh-CN" altLang="en-US"/>
-              <a:t>动态）</a:t>
-            </a:r>
-            <a:endParaRPr lang="zh-CN" altLang="en-US"/>
+              <a:t>。（动态）</a:t>
+            </a:r>
           </a:p>
           <a:p>
             <a:pPr algn="l"/>
@@ -12070,7 +12914,6 @@
               <a:rPr lang="zh-CN" altLang="en-US"/>
               <a:t>所以，通过 SSR 把动态化的 Web 应用渲染为多个静态页面，并且对高度动态的内容也保留了 CSR 的能力。</a:t>
             </a:r>
-            <a:endParaRPr lang="zh-CN" altLang="en-US"/>
           </a:p>
           <a:p>
             <a:pPr algn="l"/>
@@ -12086,7 +12929,6 @@
               <a:rPr lang="en-US" altLang="zh-CN"/>
               <a:t> nuxtjs</a:t>
             </a:r>
-            <a:endParaRPr lang="en-US" altLang="zh-CN"/>
           </a:p>
         </p:txBody>
       </p:sp>
@@ -12095,11 +12937,11 @@
   <p:clrMapOvr>
     <a:masterClrMapping/>
   </p:clrMapOvr>
-  <mc:AlternateContent xmlns:mc="http://schemas.openxmlformats.org/markup-compatibility/2006">
-    <mc:Choice xmlns:p14="http://schemas.microsoft.com/office/powerpoint/2010/main" Requires="p14">
+  <mc:AlternateContent xmlns:mc="http://schemas.openxmlformats.org/markup-compatibility/2006" xmlns:p14="http://schemas.microsoft.com/office/powerpoint/2010/main">
+    <mc:Choice Requires="p14">
       <p:transition p14:dur="0" advTm="0"/>
     </mc:Choice>
-    <mc:Fallback>
+    <mc:Fallback xmlns="">
       <p:transition advTm="0"/>
     </mc:Fallback>
   </mc:AlternateContent>
@@ -12374,6 +13216,7 @@
           <a:bodyPr wrap="none" rtlCol="0">
             <a:spAutoFit/>
           </a:bodyPr>
+          <a:lstStyle/>
           <a:p>
             <a:endParaRPr lang="zh-CN" altLang="en-US"/>
           </a:p>
@@ -12399,13 +13242,13 @@
           <a:bodyPr wrap="square" rtlCol="0">
             <a:spAutoFit/>
           </a:bodyPr>
+          <a:lstStyle/>
           <a:p>
             <a:pPr algn="l"/>
             <a:r>
               <a:rPr lang="zh-CN" altLang="en-US"/>
               <a:t>对于小型文档站而言，数据有变化时，跑一次全页面渲染的消耗是可以接受的。对于大型网站，一旦有数据改动，进行一次全部页面的渲染，需要的时间可能是按小时甚至按天计的。那么我们可以做一个切分：</a:t>
             </a:r>
-            <a:endParaRPr lang="zh-CN" altLang="en-US"/>
           </a:p>
           <a:p>
             <a:pPr algn="l"/>
@@ -12417,7 +13260,6 @@
               <a:rPr lang="zh-CN" altLang="en-US"/>
               <a:t>1、关键性的页面（如网站首页、热点数据等）预渲染为静态页面，缓存至 CDN，保证最佳的访问性能；</a:t>
             </a:r>
-            <a:endParaRPr lang="zh-CN" altLang="en-US"/>
           </a:p>
           <a:p>
             <a:pPr algn="l"/>
@@ -12425,7 +13267,6 @@
               <a:rPr lang="zh-CN" altLang="en-US"/>
               <a:t>2、非关键性的页面（如流量很少的老旧内容）先响应兜底内容，然后浏览器渲染（CSR）为实际数据；同时对页面进行异步预渲染，之后缓存至 CDN，提升后续用户访问的性能。</a:t>
             </a:r>
-            <a:endParaRPr lang="zh-CN" altLang="en-US"/>
           </a:p>
           <a:p>
             <a:pPr algn="l"/>
@@ -12442,13 +13283,8 @@
             </a:r>
             <a:r>
               <a:rPr lang="zh-CN" altLang="en-US"/>
-              <a:t>（</a:t>
-            </a:r>
-            <a:r>
-              <a:rPr lang="zh-CN" altLang="en-US"/>
-              <a:t>参考：https://nextjs.org/blog/next-9-5#stable-incremental-static-regeneration）</a:t>
-            </a:r>
-            <a:endParaRPr lang="zh-CN" altLang="en-US"/>
+              <a:t>（参考：https://nextjs.org/blog/next-9-5#stable-incremental-static-regeneration）</a:t>
+            </a:r>
           </a:p>
         </p:txBody>
       </p:sp>
@@ -12457,11 +13293,11 @@
   <p:clrMapOvr>
     <a:masterClrMapping/>
   </p:clrMapOvr>
-  <mc:AlternateContent xmlns:mc="http://schemas.openxmlformats.org/markup-compatibility/2006">
-    <mc:Choice xmlns:p14="http://schemas.microsoft.com/office/powerpoint/2010/main" Requires="p14">
+  <mc:AlternateContent xmlns:mc="http://schemas.openxmlformats.org/markup-compatibility/2006" xmlns:p14="http://schemas.microsoft.com/office/powerpoint/2010/main">
+    <mc:Choice Requires="p14">
       <p:transition p14:dur="0" advTm="0"/>
     </mc:Choice>
-    <mc:Fallback>
+    <mc:Fallback xmlns="">
       <p:transition advTm="0"/>
     </mc:Fallback>
   </mc:AlternateContent>
@@ -12764,13 +13600,13 @@
           <a:bodyPr wrap="square" rtlCol="0">
             <a:spAutoFit/>
           </a:bodyPr>
+          <a:lstStyle/>
           <a:p>
             <a:pPr algn="l"/>
             <a:r>
               <a:rPr lang="zh-CN" altLang="en-US"/>
               <a:t>DPR 本质上讲，是对 ISR 的模型做了几处改动，并且搭配上 CDN 的能力：</a:t>
             </a:r>
-            <a:endParaRPr lang="zh-CN" altLang="en-US"/>
           </a:p>
           <a:p>
             <a:pPr algn="l"/>
@@ -12786,7 +13622,6 @@
               <a:rPr lang="zh-CN" altLang="en-US"/>
               <a:t>去除了 fallback 行为，而是直接用 On-demand Builder（按需构建器）来响应未经过预渲染的页面，然后将结果缓存至 CDN。</a:t>
             </a:r>
-            <a:endParaRPr lang="zh-CN" altLang="en-US"/>
           </a:p>
           <a:p>
             <a:pPr algn="l"/>
@@ -12800,7 +13635,6 @@
               <a:rPr lang="zh-CN" altLang="en-US"/>
               <a:t>数据页面过期时，不再响应过期的缓存页面，而是 CDN 回源到 Builder 上，渲染出最新的数据。</a:t>
             </a:r>
-            <a:endParaRPr lang="zh-CN" altLang="en-US"/>
           </a:p>
           <a:p>
             <a:pPr algn="l"/>
@@ -12825,7 +13659,6 @@
               <a:rPr lang="zh-CN" altLang="en-US"/>
               <a:t>参考：https://github.com/jamstack/jamstack.org/discussions/549</a:t>
             </a:r>
-            <a:endParaRPr lang="zh-CN" altLang="en-US"/>
           </a:p>
         </p:txBody>
       </p:sp>
@@ -12838,14 +13671,14 @@
 </file>
 
 <file path=ppt/tags/tag1.xml><?xml version="1.0" encoding="utf-8"?>
-<p:tagLst xmlns:p="http://schemas.openxmlformats.org/presentationml/2006/main">
-  <p:tag name="KSO_WM_SLIDE_MODEL_TYPE" val="cover"/>
+<p:tagLst xmlns:a="http://schemas.openxmlformats.org/drawingml/2006/main" xmlns:r="http://schemas.openxmlformats.org/officeDocument/2006/relationships" xmlns:p="http://schemas.openxmlformats.org/presentationml/2006/main">
+  <p:tag name="COMMONDATA" val="eyJoZGlkIjoiNWY2MmRiODYxNTQ5NzVlN2NkODBjNDFiYWRmMjhmOWQifQ=="/>
 </p:tagLst>
 </file>
 
 <file path=ppt/tags/tag2.xml><?xml version="1.0" encoding="utf-8"?>
-<p:tagLst xmlns:p="http://schemas.openxmlformats.org/presentationml/2006/main">
-  <p:tag name="COMMONDATA" val="eyJoZGlkIjoiNWY2MmRiODYxNTQ5NzVlN2NkODBjNDFiYWRmMjhmOWQifQ=="/>
+<p:tagLst xmlns:a="http://schemas.openxmlformats.org/drawingml/2006/main" xmlns:r="http://schemas.openxmlformats.org/officeDocument/2006/relationships" xmlns:p="http://schemas.openxmlformats.org/presentationml/2006/main">
+  <p:tag name="KSO_WM_SLIDE_MODEL_TYPE" val="cover"/>
 </p:tagLst>
 </file>
 
@@ -13100,6 +13933,8 @@
       </a:bgFillStyleLst>
     </a:fmtScheme>
   </a:themeElements>
+  <a:objectDefaults/>
+  <a:extraClrSchemeLst/>
   <a:extLst>
     <a:ext uri="{05A4C25C-085E-4340-85A3-A5531E510DB2}">
       <thm15:themeFamily xmlns:thm15="http://schemas.microsoft.com/office/thememl/2012/main" name="Office Theme" id="{62F939B6-93AF-4DB8-9C6B-D6C7DFDC589F}" vid="{4A3C46E8-61CC-4603-A589-7422A47A8E4A}"/>
@@ -13359,6 +14194,8 @@
       </a:bgFillStyleLst>
     </a:fmtScheme>
   </a:themeElements>
+  <a:objectDefaults/>
+  <a:extraClrSchemeLst/>
   <a:extLst>
     <a:ext uri="{05A4C25C-085E-4340-85A3-A5531E510DB2}">
       <thm15:themeFamily xmlns:thm15="http://schemas.microsoft.com/office/thememl/2012/main" name="Office Theme" id="{62F939B6-93AF-4DB8-9C6B-D6C7DFDC589F}" vid="{4A3C46E8-61CC-4603-A589-7422A47A8E4A}"/>
